--- a/ScarFly/Docs/Presentation.pptx
+++ b/ScarFly/Docs/Presentation.pptx
@@ -14,13 +14,14 @@
     <p:sldId id="260" r:id="rId8"/>
     <p:sldId id="268" r:id="rId9"/>
     <p:sldId id="261" r:id="rId10"/>
-    <p:sldId id="271" r:id="rId11"/>
-    <p:sldId id="263" r:id="rId12"/>
-    <p:sldId id="264" r:id="rId13"/>
-    <p:sldId id="265" r:id="rId14"/>
-    <p:sldId id="267" r:id="rId15"/>
-    <p:sldId id="266" r:id="rId16"/>
-    <p:sldId id="269" r:id="rId17"/>
+    <p:sldId id="273" r:id="rId11"/>
+    <p:sldId id="271" r:id="rId12"/>
+    <p:sldId id="263" r:id="rId13"/>
+    <p:sldId id="264" r:id="rId14"/>
+    <p:sldId id="265" r:id="rId15"/>
+    <p:sldId id="267" r:id="rId16"/>
+    <p:sldId id="266" r:id="rId17"/>
+    <p:sldId id="269" r:id="rId18"/>
   </p:sldIdLst>
   <p:sldSz cx="9144000" cy="6858000" type="screen4x3"/>
   <p:notesSz cx="6858000" cy="9144000"/>
@@ -1819,7 +1820,7 @@
             <a:fld id="{08DCDE75-89FD-47D4-96B5-7D53BD2E92D4}" type="datetimeFigureOut">
               <a:rPr lang="hu-HU" smtClean="0"/>
               <a:pPr/>
-              <a:t>2014.01.13.</a:t>
+              <a:t>2014.01.15.</a:t>
             </a:fld>
             <a:endParaRPr lang="hu-HU"/>
           </a:p>
@@ -7308,7 +7309,7 @@
       </p:grpSpPr>
       <p:sp>
         <p:nvSpPr>
-          <p:cNvPr id="5" name="Cím 4"/>
+          <p:cNvPr id="2" name="Cím 1"/>
           <p:cNvSpPr>
             <a:spLocks noGrp="1"/>
           </p:cNvSpPr>
@@ -7323,20 +7324,57 @@
           <a:p>
             <a:r>
               <a:rPr lang="hu-HU" dirty="0" smtClean="0"/>
-              <a:t>Legjobban kidolgozott komponensek</a:t>
+              <a:t>Két személyes játék</a:t>
             </a:r>
             <a:endParaRPr lang="hu-HU" dirty="0"/>
           </a:p>
         </p:txBody>
       </p:sp>
+      <p:pic>
+        <p:nvPicPr>
+          <p:cNvPr id="4" name="Tartalom helye 3" descr="multi.png"/>
+          <p:cNvPicPr>
+            <a:picLocks noGrp="1" noChangeAspect="1"/>
+          </p:cNvPicPr>
+          <p:nvPr>
+            <p:ph idx="1"/>
+          </p:nvPr>
+        </p:nvPicPr>
+        <p:blipFill>
+          <a:blip r:embed="rId2" cstate="print"/>
+          <a:stretch>
+            <a:fillRect/>
+          </a:stretch>
+        </p:blipFill>
+        <p:spPr>
+          <a:xfrm>
+            <a:off x="826556" y="1497487"/>
+            <a:ext cx="7621064" cy="4572638"/>
+          </a:xfrm>
+          <a:ln>
+            <a:solidFill>
+              <a:schemeClr val="tx1"/>
+            </a:solidFill>
+          </a:ln>
+        </p:spPr>
+      </p:pic>
     </p:spTree>
   </p:cSld>
   <p:clrMapOvr>
     <a:masterClrMapping/>
   </p:clrMapOvr>
-  <p:transition spd="med" advClick="0" advTm="1500">
-    <p:fade/>
-  </p:transition>
+  <mc:AlternateContent xmlns:mc="http://schemas.openxmlformats.org/markup-compatibility/2006">
+    <mc:Choice xmlns:p14="http://schemas.microsoft.com/office/powerpoint/2010/main" xmlns="" Requires="p14">
+      <p:transition spd="med" p14:dur="700">
+        <p:fade/>
+      </p:transition>
+    </mc:Choice>
+    <mc:Fallback>
+      <p:transition spd="med">
+        <p:fade/>
+      </p:transition>
+    </mc:Fallback>
+  </mc:AlternateContent>
   <p:timing>
     <p:tnLst>
       <p:par>
@@ -7366,95 +7404,7 @@
       </p:grpSpPr>
       <p:sp>
         <p:nvSpPr>
-          <p:cNvPr id="3" name="Tartalom helye 2"/>
-          <p:cNvSpPr>
-            <a:spLocks noGrp="1"/>
-          </p:cNvSpPr>
-          <p:nvPr>
-            <p:ph idx="1"/>
-          </p:nvPr>
-        </p:nvSpPr>
-        <p:spPr/>
-        <p:txBody>
-          <a:bodyPr/>
-          <a:lstStyle/>
-          <a:p>
-            <a:r>
-              <a:rPr lang="hu-HU" dirty="0" smtClean="0"/>
-              <a:t>Kidolgozási </a:t>
-            </a:r>
-            <a:r>
-              <a:rPr lang="hu-HU" dirty="0" smtClean="0"/>
-              <a:t>s</a:t>
-            </a:r>
-            <a:r>
-              <a:rPr lang="hu-HU" dirty="0" smtClean="0"/>
-              <a:t>zempontok</a:t>
-            </a:r>
-            <a:endParaRPr lang="hu-HU" dirty="0" smtClean="0"/>
-          </a:p>
-          <a:p>
-            <a:pPr lvl="2"/>
-            <a:r>
-              <a:rPr lang="hu-HU" dirty="0" smtClean="0"/>
-              <a:t>Fejlesztés </a:t>
-            </a:r>
-            <a:r>
-              <a:rPr lang="hu-HU" dirty="0" smtClean="0"/>
-              <a:t>nélkül pálya hozzáadása</a:t>
-            </a:r>
-          </a:p>
-          <a:p>
-            <a:pPr lvl="2"/>
-            <a:r>
-              <a:rPr lang="hu-HU" dirty="0" smtClean="0"/>
-              <a:t>Könnyen módosítható legyen</a:t>
-            </a:r>
-          </a:p>
-          <a:p>
-            <a:r>
-              <a:rPr lang="hu-HU" dirty="0" smtClean="0"/>
-              <a:t>Pálya fájl tartalma</a:t>
-            </a:r>
-          </a:p>
-          <a:p>
-            <a:pPr lvl="2"/>
-            <a:r>
-              <a:rPr lang="hu-HU" dirty="0" smtClean="0"/>
-              <a:t>Karakterekkel való pályaelem </a:t>
-            </a:r>
-            <a:r>
-              <a:rPr lang="hu-HU" dirty="0" smtClean="0"/>
-              <a:t>jelölés</a:t>
-            </a:r>
-            <a:endParaRPr lang="hu-HU" dirty="0" smtClean="0"/>
-          </a:p>
-          <a:p>
-            <a:pPr lvl="2"/>
-            <a:r>
-              <a:rPr lang="hu-HU" dirty="0" smtClean="0"/>
-              <a:t>Akadály: 0-9</a:t>
-            </a:r>
-          </a:p>
-          <a:p>
-            <a:pPr lvl="2"/>
-            <a:r>
-              <a:rPr lang="hu-HU" dirty="0" smtClean="0"/>
-              <a:t>Pontot érő elem: a-z</a:t>
-            </a:r>
-          </a:p>
-          <a:p>
-            <a:pPr lvl="2"/>
-            <a:r>
-              <a:rPr lang="hu-HU" dirty="0" smtClean="0"/>
-              <a:t>Módosító elem: ‘*’ karakter</a:t>
-            </a:r>
-          </a:p>
-        </p:txBody>
-      </p:sp>
-      <p:sp>
-        <p:nvSpPr>
-          <p:cNvPr id="2" name="Cím 1"/>
+          <p:cNvPr id="5" name="Cím 4"/>
           <p:cNvSpPr>
             <a:spLocks noGrp="1"/>
           </p:cNvSpPr>
@@ -7469,7 +7419,7 @@
           <a:p>
             <a:r>
               <a:rPr lang="hu-HU" dirty="0" smtClean="0"/>
-              <a:t>Pálya feldolgozása</a:t>
+              <a:t>Legjobban kidolgozott komponensek</a:t>
             </a:r>
             <a:endParaRPr lang="hu-HU" dirty="0"/>
           </a:p>
@@ -7480,7 +7430,7 @@
   <p:clrMapOvr>
     <a:masterClrMapping/>
   </p:clrMapOvr>
-  <p:transition spd="med">
+  <p:transition spd="med" advClick="0" advTm="1500">
     <p:fade/>
   </p:transition>
   <p:timing>
@@ -7512,6 +7462,76 @@
       </p:grpSpPr>
       <p:sp>
         <p:nvSpPr>
+          <p:cNvPr id="3" name="Tartalom helye 2"/>
+          <p:cNvSpPr>
+            <a:spLocks noGrp="1"/>
+          </p:cNvSpPr>
+          <p:nvPr>
+            <p:ph idx="1"/>
+          </p:nvPr>
+        </p:nvSpPr>
+        <p:spPr/>
+        <p:txBody>
+          <a:bodyPr/>
+          <a:lstStyle/>
+          <a:p>
+            <a:r>
+              <a:rPr lang="hu-HU" dirty="0" smtClean="0"/>
+              <a:t>Kidolgozási szempontok</a:t>
+            </a:r>
+          </a:p>
+          <a:p>
+            <a:pPr lvl="2"/>
+            <a:r>
+              <a:rPr lang="hu-HU" dirty="0" smtClean="0"/>
+              <a:t>Fejlesztés nélkül pálya hozzáadása</a:t>
+            </a:r>
+          </a:p>
+          <a:p>
+            <a:pPr lvl="2"/>
+            <a:r>
+              <a:rPr lang="hu-HU" dirty="0" smtClean="0"/>
+              <a:t>Könnyen módosítható legyen</a:t>
+            </a:r>
+          </a:p>
+          <a:p>
+            <a:r>
+              <a:rPr lang="hu-HU" dirty="0" smtClean="0"/>
+              <a:t>Pálya fájl tartalma</a:t>
+            </a:r>
+          </a:p>
+          <a:p>
+            <a:pPr lvl="2"/>
+            <a:r>
+              <a:rPr lang="hu-HU" dirty="0" smtClean="0"/>
+              <a:t>Karakterekkel való pályaelem jelölés</a:t>
+            </a:r>
+          </a:p>
+          <a:p>
+            <a:pPr lvl="2"/>
+            <a:r>
+              <a:rPr lang="hu-HU" dirty="0" smtClean="0"/>
+              <a:t>Akadály: 0-9</a:t>
+            </a:r>
+          </a:p>
+          <a:p>
+            <a:pPr lvl="2"/>
+            <a:r>
+              <a:rPr lang="hu-HU" dirty="0" smtClean="0"/>
+              <a:t>Pontot érő elem: a-z</a:t>
+            </a:r>
+          </a:p>
+          <a:p>
+            <a:pPr lvl="2"/>
+            <a:r>
+              <a:rPr lang="hu-HU" dirty="0" smtClean="0"/>
+              <a:t>Módosító elem: ‘*’ karakter</a:t>
+            </a:r>
+          </a:p>
+        </p:txBody>
+      </p:sp>
+      <p:sp>
+        <p:nvSpPr>
           <p:cNvPr id="2" name="Cím 1"/>
           <p:cNvSpPr>
             <a:spLocks noGrp="1"/>
@@ -7533,262 +7553,6 @@
           </a:p>
         </p:txBody>
       </p:sp>
-      <p:sp>
-        <p:nvSpPr>
-          <p:cNvPr id="7" name="Szövegdoboz 6"/>
-          <p:cNvSpPr txBox="1"/>
-          <p:nvPr/>
-        </p:nvSpPr>
-        <p:spPr>
-          <a:xfrm>
-            <a:off x="1043608" y="1484784"/>
-            <a:ext cx="7056784" cy="1200329"/>
-          </a:xfrm>
-          <a:prstGeom prst="rect">
-            <a:avLst/>
-          </a:prstGeom>
-          <a:noFill/>
-          <a:ln>
-            <a:solidFill>
-              <a:schemeClr val="tx1"/>
-            </a:solidFill>
-          </a:ln>
-        </p:spPr>
-        <p:txBody>
-          <a:bodyPr wrap="square" rtlCol="0">
-            <a:spAutoFit/>
-          </a:bodyPr>
-          <a:lstStyle/>
-          <a:p>
-            <a:r>
-              <a:rPr lang="en-US" dirty="0" smtClean="0"/>
-              <a:t>*                                                               a </a:t>
-            </a:r>
-            <a:r>
-              <a:rPr lang="en-US" dirty="0" err="1" smtClean="0"/>
-              <a:t>a</a:t>
-            </a:r>
-            <a:endParaRPr lang="en-US" dirty="0" smtClean="0"/>
-          </a:p>
-          <a:p>
-            <a:r>
-              <a:rPr lang="en-US" dirty="0" smtClean="0"/>
-              <a:t>      a </a:t>
-            </a:r>
-            <a:r>
-              <a:rPr lang="en-US" dirty="0" err="1" smtClean="0"/>
-              <a:t>a</a:t>
-            </a:r>
-            <a:r>
-              <a:rPr lang="en-US" dirty="0" smtClean="0"/>
-              <a:t> </a:t>
-            </a:r>
-            <a:r>
-              <a:rPr lang="en-US" dirty="0" err="1" smtClean="0"/>
-              <a:t>a</a:t>
-            </a:r>
-            <a:r>
-              <a:rPr lang="en-US" dirty="0" smtClean="0"/>
-              <a:t> </a:t>
-            </a:r>
-            <a:r>
-              <a:rPr lang="en-US" dirty="0" err="1" smtClean="0"/>
-              <a:t>a</a:t>
-            </a:r>
-            <a:r>
-              <a:rPr lang="en-US" dirty="0" smtClean="0"/>
-              <a:t> </a:t>
-            </a:r>
-            <a:r>
-              <a:rPr lang="en-US" dirty="0" err="1" smtClean="0"/>
-              <a:t>a</a:t>
-            </a:r>
-            <a:r>
-              <a:rPr lang="en-US" dirty="0" smtClean="0"/>
-              <a:t>    </a:t>
-            </a:r>
-            <a:r>
-              <a:rPr lang="en-US" dirty="0" err="1" smtClean="0"/>
-              <a:t>aaa</a:t>
-            </a:r>
-            <a:r>
-              <a:rPr lang="en-US" dirty="0" smtClean="0"/>
-              <a:t>                          a </a:t>
-            </a:r>
-            <a:r>
-              <a:rPr lang="en-US" dirty="0" err="1" smtClean="0"/>
-              <a:t>a</a:t>
-            </a:r>
-            <a:r>
-              <a:rPr lang="en-US" dirty="0" smtClean="0"/>
-              <a:t> </a:t>
-            </a:r>
-            <a:r>
-              <a:rPr lang="en-US" dirty="0" err="1" smtClean="0"/>
-              <a:t>a</a:t>
-            </a:r>
-            <a:r>
-              <a:rPr lang="en-US" dirty="0" smtClean="0"/>
-              <a:t> </a:t>
-            </a:r>
-            <a:r>
-              <a:rPr lang="en-US" dirty="0" err="1" smtClean="0"/>
-              <a:t>a</a:t>
-            </a:r>
-            <a:r>
-              <a:rPr lang="en-US" dirty="0" smtClean="0"/>
-              <a:t>     </a:t>
-            </a:r>
-          </a:p>
-          <a:p>
-            <a:r>
-              <a:rPr lang="en-US" dirty="0" smtClean="0"/>
-              <a:t> 2    a </a:t>
-            </a:r>
-            <a:r>
-              <a:rPr lang="en-US" dirty="0" err="1" smtClean="0"/>
-              <a:t>a</a:t>
-            </a:r>
-            <a:r>
-              <a:rPr lang="en-US" dirty="0" smtClean="0"/>
-              <a:t> </a:t>
-            </a:r>
-            <a:r>
-              <a:rPr lang="en-US" dirty="0" err="1" smtClean="0"/>
-              <a:t>a</a:t>
-            </a:r>
-            <a:r>
-              <a:rPr lang="en-US" dirty="0" smtClean="0"/>
-              <a:t> a2    </a:t>
-            </a:r>
-            <a:r>
-              <a:rPr lang="en-US" dirty="0" err="1" smtClean="0"/>
-              <a:t>aaa</a:t>
-            </a:r>
-            <a:r>
-              <a:rPr lang="en-US" dirty="0" smtClean="0"/>
-              <a:t>   2    2    2  2 2 2 2         2          * 2 2 2                 2</a:t>
-            </a:r>
-          </a:p>
-          <a:p>
-            <a:r>
-              <a:rPr lang="en-US" dirty="0" smtClean="0"/>
-              <a:t>1  a 1                1   </a:t>
-            </a:r>
-            <a:r>
-              <a:rPr lang="en-US" dirty="0" err="1" smtClean="0"/>
-              <a:t>aa</a:t>
-            </a:r>
-            <a:r>
-              <a:rPr lang="en-US" dirty="0" smtClean="0"/>
-              <a:t>  1 a            1  a </a:t>
-            </a:r>
-            <a:r>
-              <a:rPr lang="en-US" dirty="0" err="1" smtClean="0"/>
-              <a:t>a</a:t>
-            </a:r>
-            <a:r>
-              <a:rPr lang="en-US" dirty="0" smtClean="0"/>
-              <a:t> </a:t>
-            </a:r>
-            <a:r>
-              <a:rPr lang="en-US" dirty="0" err="1" smtClean="0"/>
-              <a:t>a</a:t>
-            </a:r>
-            <a:r>
-              <a:rPr lang="en-US" dirty="0" smtClean="0"/>
-              <a:t>  1  a </a:t>
-            </a:r>
-            <a:r>
-              <a:rPr lang="en-US" dirty="0" err="1" smtClean="0"/>
-              <a:t>a</a:t>
-            </a:r>
-            <a:r>
-              <a:rPr lang="en-US" dirty="0" smtClean="0"/>
-              <a:t> </a:t>
-            </a:r>
-            <a:r>
-              <a:rPr lang="en-US" dirty="0" err="1" smtClean="0"/>
-              <a:t>a</a:t>
-            </a:r>
-            <a:r>
-              <a:rPr lang="en-US" dirty="0" smtClean="0"/>
-              <a:t>                1a1a1a1a1 !</a:t>
-            </a:r>
-          </a:p>
-        </p:txBody>
-      </p:sp>
-      <p:sp>
-        <p:nvSpPr>
-          <p:cNvPr id="8" name="Lefelé nyíl 7"/>
-          <p:cNvSpPr/>
-          <p:nvPr/>
-        </p:nvSpPr>
-        <p:spPr>
-          <a:xfrm>
-            <a:off x="4211960" y="2996952"/>
-            <a:ext cx="792088" cy="792088"/>
-          </a:xfrm>
-          <a:prstGeom prst="downArrow">
-            <a:avLst/>
-          </a:prstGeom>
-        </p:spPr>
-        <p:style>
-          <a:lnRef idx="2">
-            <a:schemeClr val="accent1">
-              <a:shade val="50000"/>
-            </a:schemeClr>
-          </a:lnRef>
-          <a:fillRef idx="1">
-            <a:schemeClr val="accent1"/>
-          </a:fillRef>
-          <a:effectRef idx="0">
-            <a:schemeClr val="accent1"/>
-          </a:effectRef>
-          <a:fontRef idx="minor">
-            <a:schemeClr val="lt1"/>
-          </a:fontRef>
-        </p:style>
-        <p:txBody>
-          <a:bodyPr rtlCol="0" anchor="ctr"/>
-          <a:lstStyle/>
-          <a:p>
-            <a:pPr algn="ctr"/>
-            <a:endParaRPr lang="en-US" dirty="0"/>
-          </a:p>
-        </p:txBody>
-      </p:sp>
-      <p:pic>
-        <p:nvPicPr>
-          <p:cNvPr id="1027" name="Picture 3" descr="D:\BMF\Szakdolgozat\Képek\Level.png"/>
-          <p:cNvPicPr>
-            <a:picLocks noChangeAspect="1" noChangeArrowheads="1"/>
-          </p:cNvPicPr>
-          <p:nvPr/>
-        </p:nvPicPr>
-        <p:blipFill>
-          <a:blip r:embed="rId2" cstate="print"/>
-          <a:srcRect/>
-          <a:stretch>
-            <a:fillRect/>
-          </a:stretch>
-        </p:blipFill>
-        <p:spPr bwMode="auto">
-          <a:xfrm>
-            <a:off x="1979712" y="4005064"/>
-            <a:ext cx="5437188" cy="1841500"/>
-          </a:xfrm>
-          <a:prstGeom prst="rect">
-            <a:avLst/>
-          </a:prstGeom>
-          <a:noFill/>
-          <a:ln>
-            <a:solidFill>
-              <a:schemeClr val="tx1"/>
-            </a:solidFill>
-          </a:ln>
-        </p:spPr>
-      </p:pic>
     </p:spTree>
   </p:cSld>
   <p:clrMapOvr>
@@ -7826,82 +7590,6 @@
       </p:grpSpPr>
       <p:sp>
         <p:nvSpPr>
-          <p:cNvPr id="3" name="Tartalom helye 2"/>
-          <p:cNvSpPr>
-            <a:spLocks noGrp="1"/>
-          </p:cNvSpPr>
-          <p:nvPr>
-            <p:ph idx="1"/>
-          </p:nvPr>
-        </p:nvSpPr>
-        <p:spPr/>
-        <p:txBody>
-          <a:bodyPr/>
-          <a:lstStyle/>
-          <a:p>
-            <a:pPr marL="514350" indent="-514350"/>
-            <a:r>
-              <a:rPr lang="hu-HU" dirty="0" smtClean="0"/>
-              <a:t>Kapcsolat kiépítése</a:t>
-            </a:r>
-          </a:p>
-          <a:p>
-            <a:pPr marL="1005750" lvl="2" indent="-514350">
-              <a:buFont typeface="+mj-lt"/>
-              <a:buAutoNum type="arabicPeriod"/>
-            </a:pPr>
-            <a:r>
-              <a:rPr lang="hu-HU" dirty="0" smtClean="0"/>
-              <a:t>Hálózaton levő eszközök feltérképezése</a:t>
-            </a:r>
-          </a:p>
-          <a:p>
-            <a:pPr marL="1005750" lvl="2" indent="-514350">
-              <a:buFont typeface="+mj-lt"/>
-              <a:buAutoNum type="arabicPeriod"/>
-            </a:pPr>
-            <a:r>
-              <a:rPr lang="hu-HU" dirty="0" smtClean="0"/>
-              <a:t>Játékosok kisorsolása szint alapján</a:t>
-            </a:r>
-          </a:p>
-          <a:p>
-            <a:pPr marL="1005750" lvl="2" indent="-514350">
-              <a:buFont typeface="+mj-lt"/>
-              <a:buAutoNum type="arabicPeriod"/>
-            </a:pPr>
-            <a:r>
-              <a:rPr lang="hu-HU" dirty="0" smtClean="0"/>
-              <a:t>Játék indítása</a:t>
-            </a:r>
-          </a:p>
-          <a:p>
-            <a:pPr marL="514350" indent="-514350"/>
-            <a:r>
-              <a:rPr lang="hu-HU" dirty="0" smtClean="0"/>
-              <a:t>Információ az ellenfélről</a:t>
-            </a:r>
-          </a:p>
-          <a:p>
-            <a:pPr marL="1005750" lvl="2" indent="-514350"/>
-            <a:r>
-              <a:rPr lang="hu-HU" dirty="0" smtClean="0"/>
-              <a:t>Pontszám</a:t>
-            </a:r>
-            <a:endParaRPr lang="hu-HU" dirty="0" smtClean="0"/>
-          </a:p>
-          <a:p>
-            <a:pPr marL="1005750" lvl="2" indent="-514350"/>
-            <a:r>
-              <a:rPr lang="hu-HU" dirty="0" smtClean="0"/>
-              <a:t>Távolsága a céltól</a:t>
-            </a:r>
-            <a:endParaRPr lang="hu-HU" dirty="0"/>
-          </a:p>
-        </p:txBody>
-      </p:sp>
-      <p:sp>
-        <p:nvSpPr>
           <p:cNvPr id="2" name="Cím 1"/>
           <p:cNvSpPr>
             <a:spLocks noGrp="1"/>
@@ -7917,12 +7605,268 @@
           <a:p>
             <a:r>
               <a:rPr lang="hu-HU" dirty="0" smtClean="0"/>
-              <a:t>Kétszemélyes játék</a:t>
+              <a:t>Pálya feldolgozása</a:t>
             </a:r>
             <a:endParaRPr lang="hu-HU" dirty="0"/>
           </a:p>
         </p:txBody>
       </p:sp>
+      <p:sp>
+        <p:nvSpPr>
+          <p:cNvPr id="7" name="Szövegdoboz 6"/>
+          <p:cNvSpPr txBox="1"/>
+          <p:nvPr/>
+        </p:nvSpPr>
+        <p:spPr>
+          <a:xfrm>
+            <a:off x="1043608" y="1484784"/>
+            <a:ext cx="7056784" cy="1200329"/>
+          </a:xfrm>
+          <a:prstGeom prst="rect">
+            <a:avLst/>
+          </a:prstGeom>
+          <a:noFill/>
+          <a:ln>
+            <a:solidFill>
+              <a:schemeClr val="tx1"/>
+            </a:solidFill>
+          </a:ln>
+        </p:spPr>
+        <p:txBody>
+          <a:bodyPr wrap="square" rtlCol="0">
+            <a:spAutoFit/>
+          </a:bodyPr>
+          <a:lstStyle/>
+          <a:p>
+            <a:r>
+              <a:rPr lang="en-US" dirty="0" smtClean="0"/>
+              <a:t>*                                                               a </a:t>
+            </a:r>
+            <a:r>
+              <a:rPr lang="en-US" dirty="0" err="1" smtClean="0"/>
+              <a:t>a</a:t>
+            </a:r>
+            <a:endParaRPr lang="en-US" dirty="0" smtClean="0"/>
+          </a:p>
+          <a:p>
+            <a:r>
+              <a:rPr lang="en-US" dirty="0" smtClean="0"/>
+              <a:t>      a </a:t>
+            </a:r>
+            <a:r>
+              <a:rPr lang="en-US" dirty="0" err="1" smtClean="0"/>
+              <a:t>a</a:t>
+            </a:r>
+            <a:r>
+              <a:rPr lang="en-US" dirty="0" smtClean="0"/>
+              <a:t> </a:t>
+            </a:r>
+            <a:r>
+              <a:rPr lang="en-US" dirty="0" err="1" smtClean="0"/>
+              <a:t>a</a:t>
+            </a:r>
+            <a:r>
+              <a:rPr lang="en-US" dirty="0" smtClean="0"/>
+              <a:t> </a:t>
+            </a:r>
+            <a:r>
+              <a:rPr lang="en-US" dirty="0" err="1" smtClean="0"/>
+              <a:t>a</a:t>
+            </a:r>
+            <a:r>
+              <a:rPr lang="en-US" dirty="0" smtClean="0"/>
+              <a:t> </a:t>
+            </a:r>
+            <a:r>
+              <a:rPr lang="en-US" dirty="0" err="1" smtClean="0"/>
+              <a:t>a</a:t>
+            </a:r>
+            <a:r>
+              <a:rPr lang="en-US" dirty="0" smtClean="0"/>
+              <a:t>    </a:t>
+            </a:r>
+            <a:r>
+              <a:rPr lang="en-US" dirty="0" err="1" smtClean="0"/>
+              <a:t>aaa</a:t>
+            </a:r>
+            <a:r>
+              <a:rPr lang="en-US" dirty="0" smtClean="0"/>
+              <a:t>                          a </a:t>
+            </a:r>
+            <a:r>
+              <a:rPr lang="en-US" dirty="0" err="1" smtClean="0"/>
+              <a:t>a</a:t>
+            </a:r>
+            <a:r>
+              <a:rPr lang="en-US" dirty="0" smtClean="0"/>
+              <a:t> </a:t>
+            </a:r>
+            <a:r>
+              <a:rPr lang="en-US" dirty="0" err="1" smtClean="0"/>
+              <a:t>a</a:t>
+            </a:r>
+            <a:r>
+              <a:rPr lang="en-US" dirty="0" smtClean="0"/>
+              <a:t> </a:t>
+            </a:r>
+            <a:r>
+              <a:rPr lang="en-US" dirty="0" err="1" smtClean="0"/>
+              <a:t>a</a:t>
+            </a:r>
+            <a:r>
+              <a:rPr lang="en-US" dirty="0" smtClean="0"/>
+              <a:t>     </a:t>
+            </a:r>
+          </a:p>
+          <a:p>
+            <a:r>
+              <a:rPr lang="en-US" dirty="0" smtClean="0"/>
+              <a:t> 2    a </a:t>
+            </a:r>
+            <a:r>
+              <a:rPr lang="en-US" dirty="0" err="1" smtClean="0"/>
+              <a:t>a</a:t>
+            </a:r>
+            <a:r>
+              <a:rPr lang="en-US" dirty="0" smtClean="0"/>
+              <a:t> </a:t>
+            </a:r>
+            <a:r>
+              <a:rPr lang="en-US" dirty="0" err="1" smtClean="0"/>
+              <a:t>a</a:t>
+            </a:r>
+            <a:r>
+              <a:rPr lang="en-US" dirty="0" smtClean="0"/>
+              <a:t> a2    </a:t>
+            </a:r>
+            <a:r>
+              <a:rPr lang="en-US" dirty="0" err="1" smtClean="0"/>
+              <a:t>aaa</a:t>
+            </a:r>
+            <a:r>
+              <a:rPr lang="en-US" dirty="0" smtClean="0"/>
+              <a:t>   2    2    2  2 2 2 2         2          * 2 2 2                 2</a:t>
+            </a:r>
+          </a:p>
+          <a:p>
+            <a:r>
+              <a:rPr lang="en-US" dirty="0" smtClean="0"/>
+              <a:t>1  a 1                1   </a:t>
+            </a:r>
+            <a:r>
+              <a:rPr lang="en-US" dirty="0" err="1" smtClean="0"/>
+              <a:t>aa</a:t>
+            </a:r>
+            <a:r>
+              <a:rPr lang="en-US" dirty="0" smtClean="0"/>
+              <a:t>  1 a            1  a </a:t>
+            </a:r>
+            <a:r>
+              <a:rPr lang="en-US" dirty="0" err="1" smtClean="0"/>
+              <a:t>a</a:t>
+            </a:r>
+            <a:r>
+              <a:rPr lang="en-US" dirty="0" smtClean="0"/>
+              <a:t> </a:t>
+            </a:r>
+            <a:r>
+              <a:rPr lang="en-US" dirty="0" err="1" smtClean="0"/>
+              <a:t>a</a:t>
+            </a:r>
+            <a:r>
+              <a:rPr lang="en-US" dirty="0" smtClean="0"/>
+              <a:t>  1  a </a:t>
+            </a:r>
+            <a:r>
+              <a:rPr lang="en-US" dirty="0" err="1" smtClean="0"/>
+              <a:t>a</a:t>
+            </a:r>
+            <a:r>
+              <a:rPr lang="en-US" dirty="0" smtClean="0"/>
+              <a:t> </a:t>
+            </a:r>
+            <a:r>
+              <a:rPr lang="en-US" dirty="0" err="1" smtClean="0"/>
+              <a:t>a</a:t>
+            </a:r>
+            <a:r>
+              <a:rPr lang="en-US" dirty="0" smtClean="0"/>
+              <a:t>                1a1a1a1a1 !</a:t>
+            </a:r>
+          </a:p>
+        </p:txBody>
+      </p:sp>
+      <p:sp>
+        <p:nvSpPr>
+          <p:cNvPr id="8" name="Lefelé nyíl 7"/>
+          <p:cNvSpPr/>
+          <p:nvPr/>
+        </p:nvSpPr>
+        <p:spPr>
+          <a:xfrm>
+            <a:off x="4211960" y="2996952"/>
+            <a:ext cx="792088" cy="792088"/>
+          </a:xfrm>
+          <a:prstGeom prst="downArrow">
+            <a:avLst/>
+          </a:prstGeom>
+        </p:spPr>
+        <p:style>
+          <a:lnRef idx="2">
+            <a:schemeClr val="accent1">
+              <a:shade val="50000"/>
+            </a:schemeClr>
+          </a:lnRef>
+          <a:fillRef idx="1">
+            <a:schemeClr val="accent1"/>
+          </a:fillRef>
+          <a:effectRef idx="0">
+            <a:schemeClr val="accent1"/>
+          </a:effectRef>
+          <a:fontRef idx="minor">
+            <a:schemeClr val="lt1"/>
+          </a:fontRef>
+        </p:style>
+        <p:txBody>
+          <a:bodyPr rtlCol="0" anchor="ctr"/>
+          <a:lstStyle/>
+          <a:p>
+            <a:pPr algn="ctr"/>
+            <a:endParaRPr lang="en-US" dirty="0"/>
+          </a:p>
+        </p:txBody>
+      </p:sp>
+      <p:pic>
+        <p:nvPicPr>
+          <p:cNvPr id="1027" name="Picture 3" descr="D:\BMF\Szakdolgozat\Képek\Level.png"/>
+          <p:cNvPicPr>
+            <a:picLocks noChangeAspect="1" noChangeArrowheads="1"/>
+          </p:cNvPicPr>
+          <p:nvPr/>
+        </p:nvPicPr>
+        <p:blipFill>
+          <a:blip r:embed="rId2" cstate="print"/>
+          <a:srcRect/>
+          <a:stretch>
+            <a:fillRect/>
+          </a:stretch>
+        </p:blipFill>
+        <p:spPr bwMode="auto">
+          <a:xfrm>
+            <a:off x="1907704" y="4005064"/>
+            <a:ext cx="5437188" cy="1841500"/>
+          </a:xfrm>
+          <a:prstGeom prst="rect">
+            <a:avLst/>
+          </a:prstGeom>
+          <a:noFill/>
+          <a:ln>
+            <a:solidFill>
+              <a:schemeClr val="tx1"/>
+            </a:solidFill>
+          </a:ln>
+        </p:spPr>
+      </p:pic>
     </p:spTree>
   </p:cSld>
   <p:clrMapOvr>
@@ -7973,106 +7917,63 @@
           <a:bodyPr/>
           <a:lstStyle/>
           <a:p>
-            <a:r>
-              <a:rPr lang="hu-HU" dirty="0" smtClean="0"/>
-              <a:t>Eredmény kiértékelése</a:t>
-            </a:r>
-          </a:p>
-          <a:p>
-            <a:pPr lvl="1"/>
-            <a:r>
-              <a:rPr lang="hu-HU" dirty="0" smtClean="0"/>
-              <a:t>Miután mind a két játékos </a:t>
-            </a:r>
-            <a:r>
-              <a:rPr lang="hu-HU" dirty="0" err="1" smtClean="0"/>
-              <a:t>elérta</a:t>
-            </a:r>
-            <a:r>
-              <a:rPr lang="hu-HU" dirty="0" smtClean="0"/>
-              <a:t> a pálya végét</a:t>
-            </a:r>
-            <a:endParaRPr lang="hu-HU" dirty="0" smtClean="0"/>
-          </a:p>
-          <a:p>
-            <a:pPr lvl="1"/>
-            <a:r>
-              <a:rPr lang="hu-HU" dirty="0" smtClean="0"/>
-              <a:t>Elsőként beérkezett </a:t>
-            </a:r>
-            <a:r>
-              <a:rPr lang="hu-HU" dirty="0" smtClean="0"/>
-              <a:t>játékos eredménye</a:t>
-            </a:r>
-            <a:endParaRPr lang="hu-HU" dirty="0" smtClean="0"/>
-          </a:p>
-          <a:p>
-            <a:pPr lvl="2"/>
-            <a:r>
-              <a:rPr lang="hu-HU" dirty="0" smtClean="0"/>
-              <a:t>	Pontok </a:t>
-            </a:r>
-            <a:r>
-              <a:rPr lang="hu-HU" dirty="0" smtClean="0"/>
-              <a:t>száma * 1.05</a:t>
-            </a:r>
-          </a:p>
-          <a:p>
-            <a:pPr lvl="1"/>
-            <a:r>
-              <a:rPr lang="hu-HU" dirty="0" smtClean="0"/>
-              <a:t>Másodiként </a:t>
-            </a:r>
-            <a:r>
-              <a:rPr lang="hu-HU" dirty="0" smtClean="0"/>
-              <a:t>beérkezett játékos eredménye</a:t>
-            </a:r>
-            <a:endParaRPr lang="hu-HU" dirty="0" smtClean="0"/>
-          </a:p>
-          <a:p>
-            <a:pPr lvl="2"/>
-            <a:r>
-              <a:rPr lang="hu-HU" dirty="0" smtClean="0"/>
-              <a:t>	Pontok </a:t>
-            </a:r>
-            <a:r>
-              <a:rPr lang="hu-HU" dirty="0" smtClean="0"/>
-              <a:t>száma</a:t>
-            </a:r>
-          </a:p>
-          <a:p>
-            <a:pPr lvl="1"/>
-            <a:r>
-              <a:rPr lang="hu-HU" dirty="0" smtClean="0"/>
-              <a:t>Nyerő játékos jutalma</a:t>
-            </a:r>
-          </a:p>
-          <a:p>
-            <a:pPr lvl="2"/>
-            <a:r>
-              <a:rPr lang="hu-HU" dirty="0" smtClean="0"/>
-              <a:t>	</a:t>
-            </a:r>
-            <a:r>
-              <a:rPr lang="hu-HU" dirty="0" smtClean="0"/>
-              <a:t>Pontok </a:t>
-            </a:r>
-            <a:r>
-              <a:rPr lang="hu-HU" dirty="0" smtClean="0"/>
-              <a:t>száma * 1.2</a:t>
-            </a:r>
-          </a:p>
-          <a:p>
-            <a:pPr lvl="1"/>
-            <a:r>
-              <a:rPr lang="hu-HU" dirty="0" smtClean="0"/>
-              <a:t>Vesztes </a:t>
-            </a:r>
-            <a:r>
-              <a:rPr lang="hu-HU" dirty="0" smtClean="0"/>
-              <a:t>elveszti a szerzett pontszámot</a:t>
-            </a:r>
-            <a:endParaRPr lang="hu-HU" dirty="0" smtClean="0"/>
+            <a:pPr marL="514350" indent="-514350"/>
+            <a:r>
+              <a:rPr lang="hu-HU" dirty="0" smtClean="0"/>
+              <a:t>Kapcsolat kiépítése</a:t>
+            </a:r>
+          </a:p>
+          <a:p>
+            <a:pPr marL="1005750" lvl="2" indent="-514350">
+              <a:buFont typeface="+mj-lt"/>
+              <a:buAutoNum type="arabicPeriod"/>
+            </a:pPr>
+            <a:r>
+              <a:rPr lang="hu-HU" dirty="0" smtClean="0"/>
+              <a:t>Hálózaton levő eszközök feltérképezése</a:t>
+            </a:r>
+          </a:p>
+          <a:p>
+            <a:pPr marL="1005750" lvl="2" indent="-514350">
+              <a:buFont typeface="+mj-lt"/>
+              <a:buAutoNum type="arabicPeriod"/>
+            </a:pPr>
+            <a:r>
+              <a:rPr lang="hu-HU" dirty="0" smtClean="0"/>
+              <a:t>Játékosok kisorsolása szint alapján</a:t>
+            </a:r>
+          </a:p>
+          <a:p>
+            <a:pPr marL="1005750" lvl="2" indent="-514350">
+              <a:buFont typeface="+mj-lt"/>
+              <a:buAutoNum type="arabicPeriod"/>
+            </a:pPr>
+            <a:r>
+              <a:rPr lang="hu-HU" dirty="0" smtClean="0"/>
+              <a:t>Játék indítása</a:t>
+            </a:r>
+          </a:p>
+          <a:p>
+            <a:pPr marL="514350" indent="-514350"/>
+            <a:r>
+              <a:rPr lang="hu-HU" dirty="0" smtClean="0"/>
+              <a:t>Információ az ellenfélről</a:t>
+            </a:r>
+          </a:p>
+          <a:p>
+            <a:pPr marL="1005750" lvl="2" indent="-514350"/>
+            <a:r>
+              <a:rPr lang="hu-HU" dirty="0" smtClean="0"/>
+              <a:t>Pontszám</a:t>
+            </a:r>
+          </a:p>
+          <a:p>
+            <a:pPr marL="1005750" lvl="2" indent="-514350"/>
+            <a:r>
+              <a:rPr lang="hu-HU" dirty="0" smtClean="0"/>
+              <a:t>Távolsága a céltól</a:t>
+            </a:r>
+            <a:endParaRPr lang="hu-HU" dirty="0"/>
           </a:p>
         </p:txBody>
       </p:sp>
@@ -8151,33 +8052,72 @@
           <a:p>
             <a:r>
               <a:rPr lang="hu-HU" dirty="0" smtClean="0"/>
-              <a:t>Pályaválasztó komponens</a:t>
-            </a:r>
-          </a:p>
-          <a:p>
-            <a:r>
-              <a:rPr lang="hu-HU" dirty="0" smtClean="0"/>
-              <a:t>Karakterfejlesztés</a:t>
-            </a:r>
-          </a:p>
-          <a:p>
-            <a:r>
-              <a:rPr lang="hu-HU" dirty="0" smtClean="0"/>
-              <a:t>További játékost befolyásoló elemek</a:t>
-            </a:r>
-          </a:p>
-          <a:p>
-            <a:r>
-              <a:rPr lang="hu-HU" dirty="0" smtClean="0"/>
-              <a:t>Pályakészítő fejlesztői eszköz</a:t>
-            </a:r>
-          </a:p>
-          <a:p>
-            <a:r>
-              <a:rPr lang="hu-HU" dirty="0" smtClean="0"/>
-              <a:t>Kétszemélyes módban interakció a játékosok között</a:t>
-            </a:r>
-            <a:endParaRPr lang="hu-HU" dirty="0"/>
+              <a:t>Eredmény kiértékelése</a:t>
+            </a:r>
+          </a:p>
+          <a:p>
+            <a:pPr lvl="1"/>
+            <a:r>
+              <a:rPr lang="hu-HU" dirty="0" smtClean="0"/>
+              <a:t>Miután mind a két játékos </a:t>
+            </a:r>
+            <a:r>
+              <a:rPr lang="hu-HU" dirty="0" err="1" smtClean="0"/>
+              <a:t>elérta</a:t>
+            </a:r>
+            <a:r>
+              <a:rPr lang="hu-HU" dirty="0" smtClean="0"/>
+              <a:t> a pálya végét</a:t>
+            </a:r>
+          </a:p>
+          <a:p>
+            <a:pPr lvl="1"/>
+            <a:r>
+              <a:rPr lang="hu-HU" dirty="0" smtClean="0"/>
+              <a:t>Elsőként beérkezett játékos eredménye</a:t>
+            </a:r>
+          </a:p>
+          <a:p>
+            <a:pPr lvl="2"/>
+            <a:r>
+              <a:rPr lang="hu-HU" dirty="0" smtClean="0"/>
+              <a:t>	Pontok száma * 1.05</a:t>
+            </a:r>
+          </a:p>
+          <a:p>
+            <a:pPr lvl="1"/>
+            <a:r>
+              <a:rPr lang="hu-HU" dirty="0" smtClean="0"/>
+              <a:t>Másodiként beérkezett játékos eredménye</a:t>
+            </a:r>
+          </a:p>
+          <a:p>
+            <a:pPr lvl="2"/>
+            <a:r>
+              <a:rPr lang="hu-HU" dirty="0" smtClean="0"/>
+              <a:t>	Pontok száma</a:t>
+            </a:r>
+          </a:p>
+          <a:p>
+            <a:pPr lvl="1"/>
+            <a:r>
+              <a:rPr lang="hu-HU" dirty="0" smtClean="0"/>
+              <a:t>Nyerő játékos jutalma</a:t>
+            </a:r>
+          </a:p>
+          <a:p>
+            <a:pPr lvl="2"/>
+            <a:r>
+              <a:rPr lang="hu-HU" dirty="0" smtClean="0"/>
+              <a:t>	Pontok száma * 1.2</a:t>
+            </a:r>
+          </a:p>
+          <a:p>
+            <a:pPr lvl="1"/>
+            <a:r>
+              <a:rPr lang="hu-HU" dirty="0" smtClean="0"/>
+              <a:t>Vesztes elveszti a szerzett pontszámot</a:t>
+            </a:r>
           </a:p>
         </p:txBody>
       </p:sp>
@@ -8198,7 +8138,7 @@
           <a:p>
             <a:r>
               <a:rPr lang="hu-HU" dirty="0" smtClean="0"/>
-              <a:t>Továbbfejlesztési lehetőségek</a:t>
+              <a:t>Kétszemélyes játék</a:t>
             </a:r>
             <a:endParaRPr lang="hu-HU" dirty="0"/>
           </a:p>
@@ -8223,6 +8163,111 @@
 </file>
 
 <file path=ppt/slides/slide16.xml><?xml version="1.0" encoding="utf-8"?>
+<p:sld xmlns:a="http://schemas.openxmlformats.org/drawingml/2006/main" xmlns:r="http://schemas.openxmlformats.org/officeDocument/2006/relationships" xmlns:p="http://schemas.openxmlformats.org/presentationml/2006/main">
+  <p:cSld>
+    <p:spTree>
+      <p:nvGrpSpPr>
+        <p:cNvPr id="1" name=""/>
+        <p:cNvGrpSpPr/>
+        <p:nvPr/>
+      </p:nvGrpSpPr>
+      <p:grpSpPr>
+        <a:xfrm>
+          <a:off x="0" y="0"/>
+          <a:ext cx="0" cy="0"/>
+          <a:chOff x="0" y="0"/>
+          <a:chExt cx="0" cy="0"/>
+        </a:xfrm>
+      </p:grpSpPr>
+      <p:sp>
+        <p:nvSpPr>
+          <p:cNvPr id="3" name="Tartalom helye 2"/>
+          <p:cNvSpPr>
+            <a:spLocks noGrp="1"/>
+          </p:cNvSpPr>
+          <p:nvPr>
+            <p:ph idx="1"/>
+          </p:nvPr>
+        </p:nvSpPr>
+        <p:spPr/>
+        <p:txBody>
+          <a:bodyPr/>
+          <a:lstStyle/>
+          <a:p>
+            <a:r>
+              <a:rPr lang="hu-HU" dirty="0" smtClean="0"/>
+              <a:t>Pályaválasztó komponens</a:t>
+            </a:r>
+          </a:p>
+          <a:p>
+            <a:r>
+              <a:rPr lang="hu-HU" dirty="0" smtClean="0"/>
+              <a:t>Karakterfejlesztés</a:t>
+            </a:r>
+          </a:p>
+          <a:p>
+            <a:r>
+              <a:rPr lang="hu-HU" dirty="0" smtClean="0"/>
+              <a:t>További játékost befolyásoló elemek</a:t>
+            </a:r>
+          </a:p>
+          <a:p>
+            <a:r>
+              <a:rPr lang="hu-HU" dirty="0" smtClean="0"/>
+              <a:t>Pályakészítő fejlesztői eszköz</a:t>
+            </a:r>
+          </a:p>
+          <a:p>
+            <a:r>
+              <a:rPr lang="hu-HU" dirty="0" smtClean="0"/>
+              <a:t>Kétszemélyes módban interakció a játékosok között</a:t>
+            </a:r>
+            <a:endParaRPr lang="hu-HU" dirty="0"/>
+          </a:p>
+        </p:txBody>
+      </p:sp>
+      <p:sp>
+        <p:nvSpPr>
+          <p:cNvPr id="2" name="Cím 1"/>
+          <p:cNvSpPr>
+            <a:spLocks noGrp="1"/>
+          </p:cNvSpPr>
+          <p:nvPr>
+            <p:ph type="title"/>
+          </p:nvPr>
+        </p:nvSpPr>
+        <p:spPr/>
+        <p:txBody>
+          <a:bodyPr/>
+          <a:lstStyle/>
+          <a:p>
+            <a:r>
+              <a:rPr lang="hu-HU" dirty="0" smtClean="0"/>
+              <a:t>Továbbfejlesztési lehetőségek</a:t>
+            </a:r>
+            <a:endParaRPr lang="hu-HU" dirty="0"/>
+          </a:p>
+        </p:txBody>
+      </p:sp>
+    </p:spTree>
+  </p:cSld>
+  <p:clrMapOvr>
+    <a:masterClrMapping/>
+  </p:clrMapOvr>
+  <p:transition spd="med">
+    <p:fade/>
+  </p:transition>
+  <p:timing>
+    <p:tnLst>
+      <p:par>
+        <p:cTn id="1" dur="indefinite" restart="never" nodeType="tmRoot"/>
+      </p:par>
+    </p:tnLst>
+  </p:timing>
+</p:sld>
+</file>
+
+<file path=ppt/slides/slide17.xml><?xml version="1.0" encoding="utf-8"?>
 <p:sld xmlns:a="http://schemas.openxmlformats.org/drawingml/2006/main" xmlns:r="http://schemas.openxmlformats.org/officeDocument/2006/relationships" xmlns:p="http://schemas.openxmlformats.org/presentationml/2006/main">
   <p:cSld>
     <p:spTree>
@@ -8425,7 +8470,6 @@
               <a:rPr lang="hu-HU" dirty="0" smtClean="0"/>
               <a:t> fejlesztés</a:t>
             </a:r>
-            <a:endParaRPr lang="hu-HU" dirty="0" smtClean="0"/>
           </a:p>
           <a:p>
             <a:r>
@@ -8440,11 +8484,7 @@
           <a:p>
             <a:r>
               <a:rPr lang="hu-HU" dirty="0" smtClean="0"/>
-              <a:t>Játék </a:t>
-            </a:r>
-            <a:r>
-              <a:rPr lang="hu-HU" dirty="0" smtClean="0"/>
-              <a:t>implementálása</a:t>
+              <a:t>Játék implementálása</a:t>
             </a:r>
             <a:endParaRPr lang="hu-HU" dirty="0"/>
           </a:p>
@@ -8567,13 +8607,8 @@
             <a:pPr lvl="1"/>
             <a:r>
               <a:rPr lang="hu-HU" dirty="0" smtClean="0"/>
-              <a:t>Felhasználói </a:t>
-            </a:r>
-            <a:r>
-              <a:rPr lang="hu-HU" dirty="0" smtClean="0"/>
-              <a:t>bemenetek kezelése</a:t>
-            </a:r>
-            <a:endParaRPr lang="hu-HU" dirty="0" smtClean="0"/>
+              <a:t>Felhasználói bemenetek kezelése</a:t>
+            </a:r>
           </a:p>
           <a:p>
             <a:pPr lvl="1"/>
@@ -8593,13 +8628,8 @@
             <a:pPr lvl="1"/>
             <a:r>
               <a:rPr lang="hu-HU" dirty="0" smtClean="0"/>
-              <a:t>Hálózaton keresztüli játék </a:t>
-            </a:r>
-            <a:r>
-              <a:rPr lang="hu-HU" dirty="0" smtClean="0"/>
-              <a:t>fejlesztés lehetőségei</a:t>
-            </a:r>
-            <a:endParaRPr lang="hu-HU" dirty="0" smtClean="0"/>
+              <a:t>Hálózaton keresztüli játék fejlesztés lehetőségei</a:t>
+            </a:r>
           </a:p>
         </p:txBody>
       </p:sp>
@@ -8897,11 +8927,7 @@
           <a:p>
             <a:r>
               <a:rPr lang="hu-HU" dirty="0" smtClean="0"/>
-              <a:t>Különböző játékos </a:t>
-            </a:r>
-            <a:r>
-              <a:rPr lang="hu-HU" dirty="0" smtClean="0"/>
-              <a:t>szintek</a:t>
+              <a:t>Különböző játékos szintek</a:t>
             </a:r>
           </a:p>
           <a:p>
@@ -8924,7 +8950,6 @@
               <a:rPr lang="hu-HU" dirty="0" smtClean="0"/>
               <a:t>Profi: 35001- pont</a:t>
             </a:r>
-            <a:endParaRPr lang="hu-HU" dirty="0" smtClean="0"/>
           </a:p>
         </p:txBody>
       </p:sp>
@@ -8988,7 +9013,7 @@
       </p:sp>
       <p:pic>
         <p:nvPicPr>
-          <p:cNvPr id="6" name="bemutato.wmv">
+          <p:cNvPr id="5" name="bemutato.wmv">
             <a:hlinkClick r:id="" action="ppaction://media"/>
           </p:cNvPr>
           <p:cNvPicPr>
@@ -9007,12 +9032,17 @@
         </p:blipFill>
         <p:spPr>
           <a:xfrm>
-            <a:off x="827088" y="1497013"/>
-            <a:ext cx="7620000" cy="4572000"/>
+            <a:off x="827584" y="1484784"/>
+            <a:ext cx="7644150" cy="4597985"/>
           </a:xfrm>
           <a:prstGeom prst="rect">
             <a:avLst/>
           </a:prstGeom>
+          <a:ln>
+            <a:solidFill>
+              <a:schemeClr val="tx1"/>
+            </a:solidFill>
+          </a:ln>
         </p:spPr>
       </p:pic>
     </p:spTree>
@@ -9029,15 +9059,22 @@
         <p:cTn id="1" dur="indefinite" restart="never" nodeType="tmRoot">
           <p:childTnLst>
             <p:seq concurrent="1" nextAc="seek">
-              <p:cTn id="2" dur="indefinite" nodeType="mainSeq">
+              <p:cTn id="2" restart="whenNotActive" fill="hold" evtFilter="cancelBubble" nodeType="interactiveSeq">
+                <p:stCondLst>
+                  <p:cond evt="onClick" delay="0">
+                    <p:tgtEl>
+                      <p:spTgt spid="5"/>
+                    </p:tgtEl>
+                  </p:cond>
+                </p:stCondLst>
+                <p:endSync evt="end" delay="0">
+                  <p:rtn val="all"/>
+                </p:endSync>
                 <p:childTnLst>
                   <p:par>
                     <p:cTn id="3" fill="hold">
                       <p:stCondLst>
-                        <p:cond delay="indefinite"/>
-                        <p:cond evt="onBegin" delay="0">
-                          <p:tn val="2"/>
-                        </p:cond>
+                        <p:cond delay="0"/>
                       </p:stCondLst>
                       <p:childTnLst>
                         <p:par>
@@ -9047,100 +9084,16 @@
                             </p:stCondLst>
                             <p:childTnLst>
                               <p:par>
-                                <p:cTn id="5" presetID="1" presetClass="mediacall" presetSubtype="0" fill="hold" nodeType="afterEffect">
-                                  <p:stCondLst>
-                                    <p:cond delay="0"/>
-                                  </p:stCondLst>
-                                  <p:childTnLst>
-                                    <p:cmd type="call" cmd="playFrom(0.0)">
-                                      <p:cBhvr>
-                                        <p:cTn id="6" dur="1" fill="hold"/>
-                                        <p:tgtEl>
-                                          <p:spTgt spid="6"/>
-                                        </p:tgtEl>
-                                      </p:cBhvr>
-                                    </p:cmd>
-                                  </p:childTnLst>
-                                </p:cTn>
-                              </p:par>
-                            </p:childTnLst>
-                          </p:cTn>
-                        </p:par>
-                      </p:childTnLst>
-                    </p:cTn>
-                  </p:par>
-                </p:childTnLst>
-              </p:cTn>
-              <p:prevCondLst>
-                <p:cond evt="onPrev" delay="0">
-                  <p:tgtEl>
-                    <p:sldTgt/>
-                  </p:tgtEl>
-                </p:cond>
-              </p:prevCondLst>
-              <p:nextCondLst>
-                <p:cond evt="onNext" delay="0">
-                  <p:tgtEl>
-                    <p:sldTgt/>
-                  </p:tgtEl>
-                </p:cond>
-              </p:nextCondLst>
-            </p:seq>
-            <p:video>
-              <p:cMediaNode>
-                <p:cTn id="7" fill="hold" display="0">
-                  <p:stCondLst>
-                    <p:cond delay="indefinite"/>
-                  </p:stCondLst>
-                  <p:endCondLst>
-                    <p:cond evt="onPrev" delay="0">
-                      <p:tgtEl>
-                        <p:sldTgt/>
-                      </p:tgtEl>
-                    </p:cond>
-                  </p:endCondLst>
-                </p:cTn>
-                <p:tgtEl>
-                  <p:spTgt spid="6"/>
-                </p:tgtEl>
-              </p:cMediaNode>
-            </p:video>
-            <p:seq concurrent="1" nextAc="seek">
-              <p:cTn id="8" restart="whenNotActive" fill="hold" evtFilter="cancelBubble" nodeType="interactiveSeq">
-                <p:stCondLst>
-                  <p:cond evt="onClick" delay="0">
-                    <p:tgtEl>
-                      <p:spTgt spid="6"/>
-                    </p:tgtEl>
-                  </p:cond>
-                </p:stCondLst>
-                <p:endSync evt="end" delay="0">
-                  <p:rtn val="all"/>
-                </p:endSync>
-                <p:childTnLst>
-                  <p:par>
-                    <p:cTn id="9" fill="hold">
-                      <p:stCondLst>
-                        <p:cond delay="0"/>
-                      </p:stCondLst>
-                      <p:childTnLst>
-                        <p:par>
-                          <p:cTn id="10" fill="hold">
-                            <p:stCondLst>
-                              <p:cond delay="0"/>
-                            </p:stCondLst>
-                            <p:childTnLst>
-                              <p:par>
-                                <p:cTn id="11" presetID="2" presetClass="mediacall" presetSubtype="0" fill="hold" nodeType="clickEffect">
+                                <p:cTn id="5" presetID="2" presetClass="mediacall" presetSubtype="0" fill="hold" nodeType="clickEffect">
                                   <p:stCondLst>
                                     <p:cond delay="0"/>
                                   </p:stCondLst>
                                   <p:childTnLst>
                                     <p:cmd type="call" cmd="togglePause">
                                       <p:cBhvr>
-                                        <p:cTn id="12" dur="1" fill="hold"/>
+                                        <p:cTn id="6" dur="1" fill="hold"/>
                                         <p:tgtEl>
-                                          <p:spTgt spid="6"/>
+                                          <p:spTgt spid="5"/>
                                         </p:tgtEl>
                                       </p:cBhvr>
                                     </p:cmd>
@@ -9158,11 +9111,35 @@
               <p:nextCondLst>
                 <p:cond evt="onClick" delay="0">
                   <p:tgtEl>
-                    <p:spTgt spid="6"/>
+                    <p:spTgt spid="5"/>
                   </p:tgtEl>
                 </p:cond>
               </p:nextCondLst>
             </p:seq>
+            <p:video>
+              <p:cMediaNode>
+                <p:cTn id="7" fill="hold" display="0">
+                  <p:stCondLst>
+                    <p:cond delay="indefinite"/>
+                  </p:stCondLst>
+                  <p:endCondLst>
+                    <p:cond evt="onNext" delay="0">
+                      <p:tgtEl>
+                        <p:sldTgt/>
+                      </p:tgtEl>
+                    </p:cond>
+                    <p:cond evt="onPrev" delay="0">
+                      <p:tgtEl>
+                        <p:sldTgt/>
+                      </p:tgtEl>
+                    </p:cond>
+                  </p:endCondLst>
+                </p:cTn>
+                <p:tgtEl>
+                  <p:spTgt spid="5"/>
+                </p:tgtEl>
+              </p:cMediaNode>
+            </p:video>
           </p:childTnLst>
         </p:cTn>
       </p:par>
@@ -9235,32 +9212,14 @@
             <a:pPr lvl="1"/>
             <a:r>
               <a:rPr lang="hu-HU" dirty="0" smtClean="0"/>
-              <a:t>Egy </a:t>
-            </a:r>
-            <a:r>
-              <a:rPr lang="hu-HU" dirty="0" smtClean="0"/>
-              <a:t>hálózaton levő eszközök </a:t>
-            </a:r>
-            <a:r>
-              <a:rPr lang="hu-HU" dirty="0" smtClean="0"/>
-              <a:t>egymással való játéka</a:t>
-            </a:r>
-            <a:endParaRPr lang="hu-HU" dirty="0" smtClean="0"/>
-          </a:p>
-          <a:p>
-            <a:r>
-              <a:rPr lang="hu-HU" dirty="0" smtClean="0"/>
-              <a:t>Játékos </a:t>
-            </a:r>
-            <a:r>
-              <a:rPr lang="hu-HU" dirty="0" smtClean="0"/>
-              <a:t>c</a:t>
-            </a:r>
-            <a:r>
-              <a:rPr lang="hu-HU" dirty="0" smtClean="0"/>
-              <a:t>élja</a:t>
-            </a:r>
-            <a:endParaRPr lang="hu-HU" dirty="0" smtClean="0"/>
+              <a:t>Egy hálózaton levő eszközök egymással való játéka</a:t>
+            </a:r>
+          </a:p>
+          <a:p>
+            <a:r>
+              <a:rPr lang="hu-HU" dirty="0" smtClean="0"/>
+              <a:t>Játékos célja</a:t>
+            </a:r>
           </a:p>
           <a:p>
             <a:pPr lvl="1"/>

--- a/ScarFly/Docs/Presentation.pptx
+++ b/ScarFly/Docs/Presentation.pptx
@@ -9,8 +9,8 @@
     <p:sldId id="272" r:id="rId3"/>
     <p:sldId id="257" r:id="rId4"/>
     <p:sldId id="270" r:id="rId5"/>
-    <p:sldId id="259" r:id="rId6"/>
-    <p:sldId id="260" r:id="rId7"/>
+    <p:sldId id="280" r:id="rId6"/>
+    <p:sldId id="259" r:id="rId7"/>
     <p:sldId id="268" r:id="rId8"/>
     <p:sldId id="277" r:id="rId9"/>
     <p:sldId id="278" r:id="rId10"/>
@@ -19,9 +19,8 @@
     <p:sldId id="273" r:id="rId13"/>
     <p:sldId id="274" r:id="rId14"/>
     <p:sldId id="275" r:id="rId15"/>
-    <p:sldId id="276" r:id="rId16"/>
-    <p:sldId id="266" r:id="rId17"/>
-    <p:sldId id="269" r:id="rId18"/>
+    <p:sldId id="266" r:id="rId16"/>
+    <p:sldId id="269" r:id="rId17"/>
   </p:sldIdLst>
   <p:sldSz cx="9144000" cy="6858000" type="screen4x3"/>
   <p:notesSz cx="6858000" cy="9144000"/>
@@ -2791,7 +2790,6 @@
             <a:rPr lang="hu-HU" dirty="0" smtClean="0"/>
             <a:t>Menü készítés</a:t>
           </a:r>
-          <a:endParaRPr lang="hu-HU" dirty="0" smtClean="0"/>
         </a:p>
       </dgm:t>
     </dgm:pt>
@@ -2905,6 +2903,13 @@
         </dgm:presLayoutVars>
       </dgm:prSet>
       <dgm:spPr/>
+      <dgm:t>
+        <a:bodyPr/>
+        <a:lstStyle/>
+        <a:p>
+          <a:endParaRPr lang="hu-HU"/>
+        </a:p>
+      </dgm:t>
     </dgm:pt>
     <dgm:pt modelId="{9225E606-997C-4BAD-BC43-B5D245E23F52}" type="pres">
       <dgm:prSet presAssocID="{D389854E-7AF9-4D34-A100-AF20D14838B5}" presName="arrow" presStyleLbl="bgShp" presStyleIdx="0" presStyleCnt="1"/>
@@ -2921,6 +2926,13 @@
         </dgm:presLayoutVars>
       </dgm:prSet>
       <dgm:spPr/>
+      <dgm:t>
+        <a:bodyPr/>
+        <a:lstStyle/>
+        <a:p>
+          <a:endParaRPr lang="hu-HU"/>
+        </a:p>
+      </dgm:t>
     </dgm:pt>
     <dgm:pt modelId="{B365E601-2C0E-42E5-B9FD-436B9B317615}" type="pres">
       <dgm:prSet presAssocID="{7565F8CB-888B-4429-AE4F-646B36AB14DE}" presName="sibTrans" presStyleCnt="0"/>
@@ -2933,6 +2945,13 @@
         </dgm:presLayoutVars>
       </dgm:prSet>
       <dgm:spPr/>
+      <dgm:t>
+        <a:bodyPr/>
+        <a:lstStyle/>
+        <a:p>
+          <a:endParaRPr lang="hu-HU"/>
+        </a:p>
+      </dgm:t>
     </dgm:pt>
     <dgm:pt modelId="{102D6D51-A858-4EAF-A8A8-AEF3FD484381}" type="pres">
       <dgm:prSet presAssocID="{B2F4CF64-8D68-4C5F-A7C1-A64CA3778CEB}" presName="sibTrans" presStyleCnt="0"/>
@@ -2983,36 +3002,43 @@
         </dgm:presLayoutVars>
       </dgm:prSet>
       <dgm:spPr/>
+      <dgm:t>
+        <a:bodyPr/>
+        <a:lstStyle/>
+        <a:p>
+          <a:endParaRPr lang="hu-HU"/>
+        </a:p>
+      </dgm:t>
     </dgm:pt>
   </dgm:ptLst>
   <dgm:cxnLst>
+    <dgm:cxn modelId="{E1A55CB1-EBED-4948-AD1E-D506BDDAD6A1}" type="presOf" srcId="{6A39C18B-296C-453E-AEDF-8D481C1D17A7}" destId="{6D90570C-16CA-48D3-B63F-34F21D10046B}" srcOrd="0" destOrd="1" presId="urn:microsoft.com/office/officeart/2005/8/layout/hProcess9"/>
+    <dgm:cxn modelId="{11D18D33-1AEF-49C5-A278-EF497479CD65}" srcId="{5C289756-F857-41DE-BC60-6CB29E83EDB1}" destId="{7D1985C1-97DA-4629-BEDA-16B4CFCC2182}" srcOrd="1" destOrd="0" parTransId="{396C34C7-17FC-4D70-8F40-11512926F2D5}" sibTransId="{2871D4EB-494A-4E47-B661-60D68C52CDD9}"/>
+    <dgm:cxn modelId="{A1B25EFB-BE4B-451A-B435-08093458BBDD}" type="presOf" srcId="{3C0772EC-33B4-44C9-ACEB-EFD3B9C254FE}" destId="{2B880D69-DFD4-4061-945C-881C656A42AB}" srcOrd="0" destOrd="2" presId="urn:microsoft.com/office/officeart/2005/8/layout/hProcess9"/>
+    <dgm:cxn modelId="{403A58D4-7B8B-48E1-97EB-4E4D6F02739F}" srcId="{D389854E-7AF9-4D34-A100-AF20D14838B5}" destId="{7951A09A-9ADC-4F40-AA2C-BE81734C4C4A}" srcOrd="0" destOrd="0" parTransId="{25F4E907-E72D-4212-9D56-C92A653F4247}" sibTransId="{7565F8CB-888B-4429-AE4F-646B36AB14DE}"/>
+    <dgm:cxn modelId="{C5FAD1E2-F4AC-4356-B7F8-95FA6813CB03}" type="presOf" srcId="{B6281F29-1BC2-4A34-BE9B-0AF1BF8D7E87}" destId="{6D90570C-16CA-48D3-B63F-34F21D10046B}" srcOrd="0" destOrd="2" presId="urn:microsoft.com/office/officeart/2005/8/layout/hProcess9"/>
+    <dgm:cxn modelId="{B73565C6-402D-4121-9664-45788C32F41A}" srcId="{96B38625-A64C-405B-9DD2-EF3C4DF361C9}" destId="{6A39C18B-296C-453E-AEDF-8D481C1D17A7}" srcOrd="0" destOrd="0" parTransId="{7FF1AE06-5168-4704-82B3-4F2D26F49767}" sibTransId="{0B03D9E9-9B98-4F8F-85C2-336BCB42B9F6}"/>
+    <dgm:cxn modelId="{EA9D93D0-4032-41B1-85B8-3F9BE4A722A9}" srcId="{D389854E-7AF9-4D34-A100-AF20D14838B5}" destId="{5C289756-F857-41DE-BC60-6CB29E83EDB1}" srcOrd="1" destOrd="0" parTransId="{364F80AC-3B5C-4325-9F39-483A07BBCFB0}" sibTransId="{B2F4CF64-8D68-4C5F-A7C1-A64CA3778CEB}"/>
+    <dgm:cxn modelId="{F1215696-FCAE-4DCF-B3B9-618D4DD81F33}" srcId="{3C7D31EB-F344-4B98-97BB-4DD4D329B7E1}" destId="{6058E987-1E62-4566-A51C-C59B679EADAE}" srcOrd="2" destOrd="0" parTransId="{0ADE43C7-1CEE-4D9F-916C-A596FD9EC628}" sibTransId="{E31BA70C-A21F-4935-8F8A-9AC8A32E1577}"/>
+    <dgm:cxn modelId="{CAEF2E35-57AC-43B9-9E41-4856C4115CB9}" srcId="{5C289756-F857-41DE-BC60-6CB29E83EDB1}" destId="{2E10CFF6-86AF-4610-A02A-F84E9FA3B8DD}" srcOrd="2" destOrd="0" parTransId="{2A6F80BD-C53D-4A22-848B-8E445BC5ADC9}" sibTransId="{4457CCD9-579A-4CD3-85D2-EC0D7BCCF74D}"/>
+    <dgm:cxn modelId="{DD84B5F8-7F06-4A89-A6DF-AA77A8C39E9B}" srcId="{D389854E-7AF9-4D34-A100-AF20D14838B5}" destId="{3C7D31EB-F344-4B98-97BB-4DD4D329B7E1}" srcOrd="2" destOrd="0" parTransId="{62378C42-DC60-468A-B940-22AA1E264775}" sibTransId="{7D658960-A67B-455C-9BB0-8126C1E8DD1B}"/>
+    <dgm:cxn modelId="{672DDBAC-58B7-4065-87CA-8E685156138A}" type="presOf" srcId="{6058E987-1E62-4566-A51C-C59B679EADAE}" destId="{2B880D69-DFD4-4061-945C-881C656A42AB}" srcOrd="0" destOrd="3" presId="urn:microsoft.com/office/officeart/2005/8/layout/hProcess9"/>
+    <dgm:cxn modelId="{D156D90D-2C52-4990-BF0C-DA1BE2A90B54}" type="presOf" srcId="{7951A09A-9ADC-4F40-AA2C-BE81734C4C4A}" destId="{141596C6-C201-4A6D-A657-394F908C3CD7}" srcOrd="0" destOrd="0" presId="urn:microsoft.com/office/officeart/2005/8/layout/hProcess9"/>
+    <dgm:cxn modelId="{C6DF84D6-2C81-43EC-83FC-B49DFF73AD88}" type="presOf" srcId="{5C289756-F857-41DE-BC60-6CB29E83EDB1}" destId="{3B26B972-4C60-4A5D-91D7-8C3DB5D763CD}" srcOrd="0" destOrd="0" presId="urn:microsoft.com/office/officeart/2005/8/layout/hProcess9"/>
+    <dgm:cxn modelId="{04159847-B831-4E16-A465-AB1BD547D0A2}" srcId="{3C7D31EB-F344-4B98-97BB-4DD4D329B7E1}" destId="{AD11472B-A673-4881-954F-775A75C4BB7D}" srcOrd="0" destOrd="0" parTransId="{B8B68973-3249-417B-A0C3-B1596F886698}" sibTransId="{39D2B474-E04F-49F3-9353-F34AC5F704C9}"/>
+    <dgm:cxn modelId="{9581E9CF-DF05-439A-BA46-DA78B0AA2B71}" type="presOf" srcId="{AD11472B-A673-4881-954F-775A75C4BB7D}" destId="{2B880D69-DFD4-4061-945C-881C656A42AB}" srcOrd="0" destOrd="1" presId="urn:microsoft.com/office/officeart/2005/8/layout/hProcess9"/>
+    <dgm:cxn modelId="{33A6C9A0-4D79-43DB-AC6A-B359A9E9E75B}" srcId="{D389854E-7AF9-4D34-A100-AF20D14838B5}" destId="{38B5A1AD-BC23-461C-BAC9-AB021CF8F271}" srcOrd="4" destOrd="0" parTransId="{B135A9F3-8A7E-475C-BD96-D878588B5344}" sibTransId="{550D7FF3-314E-483D-A2EB-6F9111AC79A5}"/>
+    <dgm:cxn modelId="{4806E1A8-CB55-4FB1-B04B-1F63E8529B2B}" type="presOf" srcId="{27DE9CD1-66FE-4082-8784-93F3B6A9B580}" destId="{3B26B972-4C60-4A5D-91D7-8C3DB5D763CD}" srcOrd="0" destOrd="1" presId="urn:microsoft.com/office/officeart/2005/8/layout/hProcess9"/>
+    <dgm:cxn modelId="{A0585644-E858-431E-BB2C-35FBDC3B3F90}" type="presOf" srcId="{2E10CFF6-86AF-4610-A02A-F84E9FA3B8DD}" destId="{3B26B972-4C60-4A5D-91D7-8C3DB5D763CD}" srcOrd="0" destOrd="3" presId="urn:microsoft.com/office/officeart/2005/8/layout/hProcess9"/>
+    <dgm:cxn modelId="{1758E772-BC54-44D7-87E5-0F3B67C4AA7F}" type="presOf" srcId="{D389854E-7AF9-4D34-A100-AF20D14838B5}" destId="{FB8A0D9A-E71A-47B2-88E0-B4322A24093D}" srcOrd="0" destOrd="0" presId="urn:microsoft.com/office/officeart/2005/8/layout/hProcess9"/>
+    <dgm:cxn modelId="{09FED000-513C-4545-BB56-66FD68BF801A}" type="presOf" srcId="{38B5A1AD-BC23-461C-BAC9-AB021CF8F271}" destId="{D90DEEEA-539B-42FB-B938-A7B0905ABBC2}" srcOrd="0" destOrd="0" presId="urn:microsoft.com/office/officeart/2005/8/layout/hProcess9"/>
+    <dgm:cxn modelId="{469D5FDB-D24E-4B28-BF86-9A51F4DDCAEB}" type="presOf" srcId="{7D1985C1-97DA-4629-BEDA-16B4CFCC2182}" destId="{3B26B972-4C60-4A5D-91D7-8C3DB5D763CD}" srcOrd="0" destOrd="2" presId="urn:microsoft.com/office/officeart/2005/8/layout/hProcess9"/>
+    <dgm:cxn modelId="{8E2DB3F3-BC7C-4A95-94AC-175649D41508}" type="presOf" srcId="{96B38625-A64C-405B-9DD2-EF3C4DF361C9}" destId="{6D90570C-16CA-48D3-B63F-34F21D10046B}" srcOrd="0" destOrd="0" presId="urn:microsoft.com/office/officeart/2005/8/layout/hProcess9"/>
+    <dgm:cxn modelId="{E1C83D5F-E8A4-44D2-912A-5C901C6D78CE}" srcId="{5C289756-F857-41DE-BC60-6CB29E83EDB1}" destId="{27DE9CD1-66FE-4082-8784-93F3B6A9B580}" srcOrd="0" destOrd="0" parTransId="{E20839D5-E81F-48C3-80D4-4D8D2C84EE7B}" sibTransId="{8718BB65-222A-46B6-80C8-A8E4866625FD}"/>
+    <dgm:cxn modelId="{0EA165CE-5B97-46C8-AAE5-0E95590ED8F1}" srcId="{D389854E-7AF9-4D34-A100-AF20D14838B5}" destId="{96B38625-A64C-405B-9DD2-EF3C4DF361C9}" srcOrd="3" destOrd="0" parTransId="{ACC7D539-A413-4CDD-9F4E-DBE1C9ED2DE5}" sibTransId="{BE7F01AB-81E7-40C9-960E-7ABD8A3AC59D}"/>
     <dgm:cxn modelId="{136CCF40-C0E3-4252-8ACF-80CA92829BF0}" type="presOf" srcId="{3C7D31EB-F344-4B98-97BB-4DD4D329B7E1}" destId="{2B880D69-DFD4-4061-945C-881C656A42AB}" srcOrd="0" destOrd="0" presId="urn:microsoft.com/office/officeart/2005/8/layout/hProcess9"/>
     <dgm:cxn modelId="{DE960E29-7336-406E-AC05-444F483EBDFA}" srcId="{96B38625-A64C-405B-9DD2-EF3C4DF361C9}" destId="{B6281F29-1BC2-4A34-BE9B-0AF1BF8D7E87}" srcOrd="1" destOrd="0" parTransId="{6BAFDE3B-A7ED-420C-A6B2-3F458CF63A2D}" sibTransId="{AF2805B1-7934-4983-AC0E-602EABC2CBFD}"/>
-    <dgm:cxn modelId="{D156D90D-2C52-4990-BF0C-DA1BE2A90B54}" type="presOf" srcId="{7951A09A-9ADC-4F40-AA2C-BE81734C4C4A}" destId="{141596C6-C201-4A6D-A657-394F908C3CD7}" srcOrd="0" destOrd="0" presId="urn:microsoft.com/office/officeart/2005/8/layout/hProcess9"/>
-    <dgm:cxn modelId="{DD84B5F8-7F06-4A89-A6DF-AA77A8C39E9B}" srcId="{D389854E-7AF9-4D34-A100-AF20D14838B5}" destId="{3C7D31EB-F344-4B98-97BB-4DD4D329B7E1}" srcOrd="2" destOrd="0" parTransId="{62378C42-DC60-468A-B940-22AA1E264775}" sibTransId="{7D658960-A67B-455C-9BB0-8126C1E8DD1B}"/>
-    <dgm:cxn modelId="{672DDBAC-58B7-4065-87CA-8E685156138A}" type="presOf" srcId="{6058E987-1E62-4566-A51C-C59B679EADAE}" destId="{2B880D69-DFD4-4061-945C-881C656A42AB}" srcOrd="0" destOrd="3" presId="urn:microsoft.com/office/officeart/2005/8/layout/hProcess9"/>
-    <dgm:cxn modelId="{EA9D93D0-4032-41B1-85B8-3F9BE4A722A9}" srcId="{D389854E-7AF9-4D34-A100-AF20D14838B5}" destId="{5C289756-F857-41DE-BC60-6CB29E83EDB1}" srcOrd="1" destOrd="0" parTransId="{364F80AC-3B5C-4325-9F39-483A07BBCFB0}" sibTransId="{B2F4CF64-8D68-4C5F-A7C1-A64CA3778CEB}"/>
-    <dgm:cxn modelId="{469D5FDB-D24E-4B28-BF86-9A51F4DDCAEB}" type="presOf" srcId="{7D1985C1-97DA-4629-BEDA-16B4CFCC2182}" destId="{3B26B972-4C60-4A5D-91D7-8C3DB5D763CD}" srcOrd="0" destOrd="2" presId="urn:microsoft.com/office/officeart/2005/8/layout/hProcess9"/>
-    <dgm:cxn modelId="{9581E9CF-DF05-439A-BA46-DA78B0AA2B71}" type="presOf" srcId="{AD11472B-A673-4881-954F-775A75C4BB7D}" destId="{2B880D69-DFD4-4061-945C-881C656A42AB}" srcOrd="0" destOrd="1" presId="urn:microsoft.com/office/officeart/2005/8/layout/hProcess9"/>
-    <dgm:cxn modelId="{1758E772-BC54-44D7-87E5-0F3B67C4AA7F}" type="presOf" srcId="{D389854E-7AF9-4D34-A100-AF20D14838B5}" destId="{FB8A0D9A-E71A-47B2-88E0-B4322A24093D}" srcOrd="0" destOrd="0" presId="urn:microsoft.com/office/officeart/2005/8/layout/hProcess9"/>
-    <dgm:cxn modelId="{C5FAD1E2-F4AC-4356-B7F8-95FA6813CB03}" type="presOf" srcId="{B6281F29-1BC2-4A34-BE9B-0AF1BF8D7E87}" destId="{6D90570C-16CA-48D3-B63F-34F21D10046B}" srcOrd="0" destOrd="2" presId="urn:microsoft.com/office/officeart/2005/8/layout/hProcess9"/>
-    <dgm:cxn modelId="{C6DF84D6-2C81-43EC-83FC-B49DFF73AD88}" type="presOf" srcId="{5C289756-F857-41DE-BC60-6CB29E83EDB1}" destId="{3B26B972-4C60-4A5D-91D7-8C3DB5D763CD}" srcOrd="0" destOrd="0" presId="urn:microsoft.com/office/officeart/2005/8/layout/hProcess9"/>
-    <dgm:cxn modelId="{A1B25EFB-BE4B-451A-B435-08093458BBDD}" type="presOf" srcId="{3C0772EC-33B4-44C9-ACEB-EFD3B9C254FE}" destId="{2B880D69-DFD4-4061-945C-881C656A42AB}" srcOrd="0" destOrd="2" presId="urn:microsoft.com/office/officeart/2005/8/layout/hProcess9"/>
-    <dgm:cxn modelId="{A0585644-E858-431E-BB2C-35FBDC3B3F90}" type="presOf" srcId="{2E10CFF6-86AF-4610-A02A-F84E9FA3B8DD}" destId="{3B26B972-4C60-4A5D-91D7-8C3DB5D763CD}" srcOrd="0" destOrd="3" presId="urn:microsoft.com/office/officeart/2005/8/layout/hProcess9"/>
-    <dgm:cxn modelId="{8E2DB3F3-BC7C-4A95-94AC-175649D41508}" type="presOf" srcId="{96B38625-A64C-405B-9DD2-EF3C4DF361C9}" destId="{6D90570C-16CA-48D3-B63F-34F21D10046B}" srcOrd="0" destOrd="0" presId="urn:microsoft.com/office/officeart/2005/8/layout/hProcess9"/>
-    <dgm:cxn modelId="{B73565C6-402D-4121-9664-45788C32F41A}" srcId="{96B38625-A64C-405B-9DD2-EF3C4DF361C9}" destId="{6A39C18B-296C-453E-AEDF-8D481C1D17A7}" srcOrd="0" destOrd="0" parTransId="{7FF1AE06-5168-4704-82B3-4F2D26F49767}" sibTransId="{0B03D9E9-9B98-4F8F-85C2-336BCB42B9F6}"/>
-    <dgm:cxn modelId="{E1C83D5F-E8A4-44D2-912A-5C901C6D78CE}" srcId="{5C289756-F857-41DE-BC60-6CB29E83EDB1}" destId="{27DE9CD1-66FE-4082-8784-93F3B6A9B580}" srcOrd="0" destOrd="0" parTransId="{E20839D5-E81F-48C3-80D4-4D8D2C84EE7B}" sibTransId="{8718BB65-222A-46B6-80C8-A8E4866625FD}"/>
-    <dgm:cxn modelId="{4806E1A8-CB55-4FB1-B04B-1F63E8529B2B}" type="presOf" srcId="{27DE9CD1-66FE-4082-8784-93F3B6A9B580}" destId="{3B26B972-4C60-4A5D-91D7-8C3DB5D763CD}" srcOrd="0" destOrd="1" presId="urn:microsoft.com/office/officeart/2005/8/layout/hProcess9"/>
-    <dgm:cxn modelId="{F1215696-FCAE-4DCF-B3B9-618D4DD81F33}" srcId="{3C7D31EB-F344-4B98-97BB-4DD4D329B7E1}" destId="{6058E987-1E62-4566-A51C-C59B679EADAE}" srcOrd="2" destOrd="0" parTransId="{0ADE43C7-1CEE-4D9F-916C-A596FD9EC628}" sibTransId="{E31BA70C-A21F-4935-8F8A-9AC8A32E1577}"/>
-    <dgm:cxn modelId="{09FED000-513C-4545-BB56-66FD68BF801A}" type="presOf" srcId="{38B5A1AD-BC23-461C-BAC9-AB021CF8F271}" destId="{D90DEEEA-539B-42FB-B938-A7B0905ABBC2}" srcOrd="0" destOrd="0" presId="urn:microsoft.com/office/officeart/2005/8/layout/hProcess9"/>
     <dgm:cxn modelId="{58B2241C-20A6-49BF-AE5C-09E0115255C3}" srcId="{3C7D31EB-F344-4B98-97BB-4DD4D329B7E1}" destId="{3C0772EC-33B4-44C9-ACEB-EFD3B9C254FE}" srcOrd="1" destOrd="0" parTransId="{A364DB49-A714-404F-B2E1-F8AC3ADDD555}" sibTransId="{4A5A7FB3-9491-4D3F-82F0-066D5583B8CF}"/>
-    <dgm:cxn modelId="{04159847-B831-4E16-A465-AB1BD547D0A2}" srcId="{3C7D31EB-F344-4B98-97BB-4DD4D329B7E1}" destId="{AD11472B-A673-4881-954F-775A75C4BB7D}" srcOrd="0" destOrd="0" parTransId="{B8B68973-3249-417B-A0C3-B1596F886698}" sibTransId="{39D2B474-E04F-49F3-9353-F34AC5F704C9}"/>
-    <dgm:cxn modelId="{E1A55CB1-EBED-4948-AD1E-D506BDDAD6A1}" type="presOf" srcId="{6A39C18B-296C-453E-AEDF-8D481C1D17A7}" destId="{6D90570C-16CA-48D3-B63F-34F21D10046B}" srcOrd="0" destOrd="1" presId="urn:microsoft.com/office/officeart/2005/8/layout/hProcess9"/>
-    <dgm:cxn modelId="{0EA165CE-5B97-46C8-AAE5-0E95590ED8F1}" srcId="{D389854E-7AF9-4D34-A100-AF20D14838B5}" destId="{96B38625-A64C-405B-9DD2-EF3C4DF361C9}" srcOrd="3" destOrd="0" parTransId="{ACC7D539-A413-4CDD-9F4E-DBE1C9ED2DE5}" sibTransId="{BE7F01AB-81E7-40C9-960E-7ABD8A3AC59D}"/>
-    <dgm:cxn modelId="{403A58D4-7B8B-48E1-97EB-4E4D6F02739F}" srcId="{D389854E-7AF9-4D34-A100-AF20D14838B5}" destId="{7951A09A-9ADC-4F40-AA2C-BE81734C4C4A}" srcOrd="0" destOrd="0" parTransId="{25F4E907-E72D-4212-9D56-C92A653F4247}" sibTransId="{7565F8CB-888B-4429-AE4F-646B36AB14DE}"/>
-    <dgm:cxn modelId="{CAEF2E35-57AC-43B9-9E41-4856C4115CB9}" srcId="{5C289756-F857-41DE-BC60-6CB29E83EDB1}" destId="{2E10CFF6-86AF-4610-A02A-F84E9FA3B8DD}" srcOrd="2" destOrd="0" parTransId="{2A6F80BD-C53D-4A22-848B-8E445BC5ADC9}" sibTransId="{4457CCD9-579A-4CD3-85D2-EC0D7BCCF74D}"/>
-    <dgm:cxn modelId="{11D18D33-1AEF-49C5-A278-EF497479CD65}" srcId="{5C289756-F857-41DE-BC60-6CB29E83EDB1}" destId="{7D1985C1-97DA-4629-BEDA-16B4CFCC2182}" srcOrd="1" destOrd="0" parTransId="{396C34C7-17FC-4D70-8F40-11512926F2D5}" sibTransId="{2871D4EB-494A-4E47-B661-60D68C52CDD9}"/>
-    <dgm:cxn modelId="{33A6C9A0-4D79-43DB-AC6A-B359A9E9E75B}" srcId="{D389854E-7AF9-4D34-A100-AF20D14838B5}" destId="{38B5A1AD-BC23-461C-BAC9-AB021CF8F271}" srcOrd="4" destOrd="0" parTransId="{B135A9F3-8A7E-475C-BD96-D878588B5344}" sibTransId="{550D7FF3-314E-483D-A2EB-6F9111AC79A5}"/>
     <dgm:cxn modelId="{67FFDE10-9204-4DF1-8E30-6DE5CAAE9CED}" type="presParOf" srcId="{FB8A0D9A-E71A-47B2-88E0-B4322A24093D}" destId="{9225E606-997C-4BAD-BC43-B5D245E23F52}" srcOrd="0" destOrd="0" presId="urn:microsoft.com/office/officeart/2005/8/layout/hProcess9"/>
     <dgm:cxn modelId="{F91542CA-A450-49A9-857F-C04B79839522}" type="presParOf" srcId="{FB8A0D9A-E71A-47B2-88E0-B4322A24093D}" destId="{87FE0F37-13EC-4F5B-8C97-E9CE252149F3}" srcOrd="1" destOrd="0" presId="urn:microsoft.com/office/officeart/2005/8/layout/hProcess9"/>
     <dgm:cxn modelId="{F0B34389-92B7-4F11-8621-E70B588CFEEF}" type="presParOf" srcId="{87FE0F37-13EC-4F5B-8C97-E9CE252149F3}" destId="{141596C6-C201-4A6D-A657-394F908C3CD7}" srcOrd="0" destOrd="0" presId="urn:microsoft.com/office/officeart/2005/8/layout/hProcess9"/>
@@ -3446,6 +3472,13 @@
         </dgm:presLayoutVars>
       </dgm:prSet>
       <dgm:spPr/>
+      <dgm:t>
+        <a:bodyPr/>
+        <a:lstStyle/>
+        <a:p>
+          <a:endParaRPr lang="hu-HU"/>
+        </a:p>
+      </dgm:t>
     </dgm:pt>
     <dgm:pt modelId="{C4C25FB0-E06D-44FE-969F-EABF3CE42738}" type="pres">
       <dgm:prSet presAssocID="{D84B5FCE-8827-4CE8-B9FA-02CAB98B02F6}" presName="root1" presStyleCnt="0"/>
@@ -3458,6 +3491,13 @@
         </dgm:presLayoutVars>
       </dgm:prSet>
       <dgm:spPr/>
+      <dgm:t>
+        <a:bodyPr/>
+        <a:lstStyle/>
+        <a:p>
+          <a:endParaRPr lang="hu-HU"/>
+        </a:p>
+      </dgm:t>
     </dgm:pt>
     <dgm:pt modelId="{2BB72FC7-5D86-4D43-954D-2429B2E1241E}" type="pres">
       <dgm:prSet presAssocID="{D84B5FCE-8827-4CE8-B9FA-02CAB98B02F6}" presName="level2hierChild" presStyleCnt="0"/>
@@ -3466,10 +3506,24 @@
     <dgm:pt modelId="{84E7FE24-2617-4610-A59B-9DCA4A3EF9E2}" type="pres">
       <dgm:prSet presAssocID="{C80D5D77-1B09-4557-94E2-16C664F548B9}" presName="conn2-1" presStyleLbl="parChTrans1D2" presStyleIdx="0" presStyleCnt="4"/>
       <dgm:spPr/>
+      <dgm:t>
+        <a:bodyPr/>
+        <a:lstStyle/>
+        <a:p>
+          <a:endParaRPr lang="hu-HU"/>
+        </a:p>
+      </dgm:t>
     </dgm:pt>
     <dgm:pt modelId="{77D36038-0DD3-45F7-BE0B-58266BA283A3}" type="pres">
       <dgm:prSet presAssocID="{C80D5D77-1B09-4557-94E2-16C664F548B9}" presName="connTx" presStyleLbl="parChTrans1D2" presStyleIdx="0" presStyleCnt="4"/>
       <dgm:spPr/>
+      <dgm:t>
+        <a:bodyPr/>
+        <a:lstStyle/>
+        <a:p>
+          <a:endParaRPr lang="hu-HU"/>
+        </a:p>
+      </dgm:t>
     </dgm:pt>
     <dgm:pt modelId="{ED340BB8-5A26-46B2-A41A-26AE0CC3A2F1}" type="pres">
       <dgm:prSet presAssocID="{179F04C6-F6B5-4FEE-B8E7-0EFAEE5F60D0}" presName="root2" presStyleCnt="0"/>
@@ -3482,6 +3536,13 @@
         </dgm:presLayoutVars>
       </dgm:prSet>
       <dgm:spPr/>
+      <dgm:t>
+        <a:bodyPr/>
+        <a:lstStyle/>
+        <a:p>
+          <a:endParaRPr lang="hu-HU"/>
+        </a:p>
+      </dgm:t>
     </dgm:pt>
     <dgm:pt modelId="{3A9379C3-625A-4D3D-8DC2-E2A4F392DC88}" type="pres">
       <dgm:prSet presAssocID="{179F04C6-F6B5-4FEE-B8E7-0EFAEE5F60D0}" presName="level3hierChild" presStyleCnt="0"/>
@@ -3490,10 +3551,24 @@
     <dgm:pt modelId="{EBC40A57-FCAB-4048-A425-729C5ADFD8A0}" type="pres">
       <dgm:prSet presAssocID="{250984D8-3FEC-41FC-B92C-6BA716BCBD7F}" presName="conn2-1" presStyleLbl="parChTrans1D3" presStyleIdx="0" presStyleCnt="4"/>
       <dgm:spPr/>
+      <dgm:t>
+        <a:bodyPr/>
+        <a:lstStyle/>
+        <a:p>
+          <a:endParaRPr lang="hu-HU"/>
+        </a:p>
+      </dgm:t>
     </dgm:pt>
     <dgm:pt modelId="{FB1D303D-8D19-492E-BC29-DC3299EEAAC8}" type="pres">
       <dgm:prSet presAssocID="{250984D8-3FEC-41FC-B92C-6BA716BCBD7F}" presName="connTx" presStyleLbl="parChTrans1D3" presStyleIdx="0" presStyleCnt="4"/>
       <dgm:spPr/>
+      <dgm:t>
+        <a:bodyPr/>
+        <a:lstStyle/>
+        <a:p>
+          <a:endParaRPr lang="hu-HU"/>
+        </a:p>
+      </dgm:t>
     </dgm:pt>
     <dgm:pt modelId="{75AA812D-3CA1-4342-B4B7-0F9F233097D2}" type="pres">
       <dgm:prSet presAssocID="{0A9378BE-3E4D-4D69-815C-F2F788172A8A}" presName="root2" presStyleCnt="0"/>
@@ -3506,6 +3581,13 @@
         </dgm:presLayoutVars>
       </dgm:prSet>
       <dgm:spPr/>
+      <dgm:t>
+        <a:bodyPr/>
+        <a:lstStyle/>
+        <a:p>
+          <a:endParaRPr lang="hu-HU"/>
+        </a:p>
+      </dgm:t>
     </dgm:pt>
     <dgm:pt modelId="{0AEAD68B-BDC6-4CFC-A12C-D1A04936006C}" type="pres">
       <dgm:prSet presAssocID="{0A9378BE-3E4D-4D69-815C-F2F788172A8A}" presName="level3hierChild" presStyleCnt="0"/>
@@ -3514,10 +3596,24 @@
     <dgm:pt modelId="{9D58C065-3EB9-45A3-A5F5-620E8B345359}" type="pres">
       <dgm:prSet presAssocID="{C3BD714E-37D6-4172-A25B-10FE69A6E503}" presName="conn2-1" presStyleLbl="parChTrans1D2" presStyleIdx="1" presStyleCnt="4"/>
       <dgm:spPr/>
+      <dgm:t>
+        <a:bodyPr/>
+        <a:lstStyle/>
+        <a:p>
+          <a:endParaRPr lang="hu-HU"/>
+        </a:p>
+      </dgm:t>
     </dgm:pt>
     <dgm:pt modelId="{6199009B-33EF-44DC-A60F-B06321205491}" type="pres">
       <dgm:prSet presAssocID="{C3BD714E-37D6-4172-A25B-10FE69A6E503}" presName="connTx" presStyleLbl="parChTrans1D2" presStyleIdx="1" presStyleCnt="4"/>
       <dgm:spPr/>
+      <dgm:t>
+        <a:bodyPr/>
+        <a:lstStyle/>
+        <a:p>
+          <a:endParaRPr lang="hu-HU"/>
+        </a:p>
+      </dgm:t>
     </dgm:pt>
     <dgm:pt modelId="{798648A3-846C-4009-B6C5-DD63D5D06248}" type="pres">
       <dgm:prSet presAssocID="{FFE6FAE1-9415-4873-BC7C-F34DE773D556}" presName="root2" presStyleCnt="0"/>
@@ -3530,6 +3626,13 @@
         </dgm:presLayoutVars>
       </dgm:prSet>
       <dgm:spPr/>
+      <dgm:t>
+        <a:bodyPr/>
+        <a:lstStyle/>
+        <a:p>
+          <a:endParaRPr lang="hu-HU"/>
+        </a:p>
+      </dgm:t>
     </dgm:pt>
     <dgm:pt modelId="{BAEC9AE1-A348-47FC-9673-C3B00CC7376A}" type="pres">
       <dgm:prSet presAssocID="{FFE6FAE1-9415-4873-BC7C-F34DE773D556}" presName="level3hierChild" presStyleCnt="0"/>
@@ -3538,10 +3641,24 @@
     <dgm:pt modelId="{E8274F38-1AC6-4454-839D-99AF1335DF07}" type="pres">
       <dgm:prSet presAssocID="{7F98B524-0464-4F22-934F-AD973D3D33FA}" presName="conn2-1" presStyleLbl="parChTrans1D3" presStyleIdx="1" presStyleCnt="4"/>
       <dgm:spPr/>
+      <dgm:t>
+        <a:bodyPr/>
+        <a:lstStyle/>
+        <a:p>
+          <a:endParaRPr lang="hu-HU"/>
+        </a:p>
+      </dgm:t>
     </dgm:pt>
     <dgm:pt modelId="{7EE716B8-4DB0-4048-99CA-506C7070C6E8}" type="pres">
       <dgm:prSet presAssocID="{7F98B524-0464-4F22-934F-AD973D3D33FA}" presName="connTx" presStyleLbl="parChTrans1D3" presStyleIdx="1" presStyleCnt="4"/>
       <dgm:spPr/>
+      <dgm:t>
+        <a:bodyPr/>
+        <a:lstStyle/>
+        <a:p>
+          <a:endParaRPr lang="hu-HU"/>
+        </a:p>
+      </dgm:t>
     </dgm:pt>
     <dgm:pt modelId="{F1542C4D-CB1B-43E5-87D7-EC480B80E558}" type="pres">
       <dgm:prSet presAssocID="{64AF97A8-E6C1-44CD-A79F-E8E35134E7F9}" presName="root2" presStyleCnt="0"/>
@@ -3554,6 +3671,13 @@
         </dgm:presLayoutVars>
       </dgm:prSet>
       <dgm:spPr/>
+      <dgm:t>
+        <a:bodyPr/>
+        <a:lstStyle/>
+        <a:p>
+          <a:endParaRPr lang="hu-HU"/>
+        </a:p>
+      </dgm:t>
     </dgm:pt>
     <dgm:pt modelId="{BCA7D6EE-2174-4EC8-9827-646D506ED764}" type="pres">
       <dgm:prSet presAssocID="{64AF97A8-E6C1-44CD-A79F-E8E35134E7F9}" presName="level3hierChild" presStyleCnt="0"/>
@@ -3570,6 +3694,13 @@
         </dgm:presLayoutVars>
       </dgm:prSet>
       <dgm:spPr/>
+      <dgm:t>
+        <a:bodyPr/>
+        <a:lstStyle/>
+        <a:p>
+          <a:endParaRPr lang="hu-HU"/>
+        </a:p>
+      </dgm:t>
     </dgm:pt>
     <dgm:pt modelId="{EF44E8C1-52E6-4F50-B9CC-FA24BABB332E}" type="pres">
       <dgm:prSet presAssocID="{49C37023-3DA6-439D-9C8E-BD00DFBA7934}" presName="level2hierChild" presStyleCnt="0"/>
@@ -3578,10 +3709,24 @@
     <dgm:pt modelId="{5ED614E7-2937-453E-A703-EAD9A48FDCF6}" type="pres">
       <dgm:prSet presAssocID="{5067768B-7A40-4964-9894-4564BA232604}" presName="conn2-1" presStyleLbl="parChTrans1D2" presStyleIdx="2" presStyleCnt="4"/>
       <dgm:spPr/>
+      <dgm:t>
+        <a:bodyPr/>
+        <a:lstStyle/>
+        <a:p>
+          <a:endParaRPr lang="hu-HU"/>
+        </a:p>
+      </dgm:t>
     </dgm:pt>
     <dgm:pt modelId="{C6777E4D-4D43-4CD7-B339-AC39FFDA403D}" type="pres">
       <dgm:prSet presAssocID="{5067768B-7A40-4964-9894-4564BA232604}" presName="connTx" presStyleLbl="parChTrans1D2" presStyleIdx="2" presStyleCnt="4"/>
       <dgm:spPr/>
+      <dgm:t>
+        <a:bodyPr/>
+        <a:lstStyle/>
+        <a:p>
+          <a:endParaRPr lang="hu-HU"/>
+        </a:p>
+      </dgm:t>
     </dgm:pt>
     <dgm:pt modelId="{1E182B5F-DBF8-42E5-96CA-AD7D76FE32FC}" type="pres">
       <dgm:prSet presAssocID="{54B9771B-D9CD-41BC-9632-40C3D329A772}" presName="root2" presStyleCnt="0"/>
@@ -3594,6 +3739,13 @@
         </dgm:presLayoutVars>
       </dgm:prSet>
       <dgm:spPr/>
+      <dgm:t>
+        <a:bodyPr/>
+        <a:lstStyle/>
+        <a:p>
+          <a:endParaRPr lang="hu-HU"/>
+        </a:p>
+      </dgm:t>
     </dgm:pt>
     <dgm:pt modelId="{DCDB5432-C88C-4DC2-99BE-4CA19942445B}" type="pres">
       <dgm:prSet presAssocID="{54B9771B-D9CD-41BC-9632-40C3D329A772}" presName="level3hierChild" presStyleCnt="0"/>
@@ -3602,10 +3754,24 @@
     <dgm:pt modelId="{C475E6D3-D28D-4735-9A13-B79CB1CD0C40}" type="pres">
       <dgm:prSet presAssocID="{1A7B2DFB-1BA5-47A1-AF0D-C96DC32476DB}" presName="conn2-1" presStyleLbl="parChTrans1D3" presStyleIdx="2" presStyleCnt="4"/>
       <dgm:spPr/>
+      <dgm:t>
+        <a:bodyPr/>
+        <a:lstStyle/>
+        <a:p>
+          <a:endParaRPr lang="hu-HU"/>
+        </a:p>
+      </dgm:t>
     </dgm:pt>
     <dgm:pt modelId="{09251562-2433-4C1F-84C9-A24402BF46E5}" type="pres">
       <dgm:prSet presAssocID="{1A7B2DFB-1BA5-47A1-AF0D-C96DC32476DB}" presName="connTx" presStyleLbl="parChTrans1D3" presStyleIdx="2" presStyleCnt="4"/>
       <dgm:spPr/>
+      <dgm:t>
+        <a:bodyPr/>
+        <a:lstStyle/>
+        <a:p>
+          <a:endParaRPr lang="hu-HU"/>
+        </a:p>
+      </dgm:t>
     </dgm:pt>
     <dgm:pt modelId="{243D8472-C913-4BD4-9493-A46B4C64C6D1}" type="pres">
       <dgm:prSet presAssocID="{87823E8D-6AED-4F35-87AC-A0F136E7A4D3}" presName="root2" presStyleCnt="0"/>
@@ -3618,6 +3784,13 @@
         </dgm:presLayoutVars>
       </dgm:prSet>
       <dgm:spPr/>
+      <dgm:t>
+        <a:bodyPr/>
+        <a:lstStyle/>
+        <a:p>
+          <a:endParaRPr lang="hu-HU"/>
+        </a:p>
+      </dgm:t>
     </dgm:pt>
     <dgm:pt modelId="{E47F64B9-6486-42E8-9852-C1DA40DD8FD3}" type="pres">
       <dgm:prSet presAssocID="{87823E8D-6AED-4F35-87AC-A0F136E7A4D3}" presName="level3hierChild" presStyleCnt="0"/>
@@ -3626,10 +3799,24 @@
     <dgm:pt modelId="{6B030A5F-EE91-4008-B498-3EDD0C8521E2}" type="pres">
       <dgm:prSet presAssocID="{4D296E0D-02CB-4983-9044-FC5753422912}" presName="conn2-1" presStyleLbl="parChTrans1D2" presStyleIdx="3" presStyleCnt="4"/>
       <dgm:spPr/>
+      <dgm:t>
+        <a:bodyPr/>
+        <a:lstStyle/>
+        <a:p>
+          <a:endParaRPr lang="hu-HU"/>
+        </a:p>
+      </dgm:t>
     </dgm:pt>
     <dgm:pt modelId="{E5AC62B9-33F2-457D-835E-8AB4273D4031}" type="pres">
       <dgm:prSet presAssocID="{4D296E0D-02CB-4983-9044-FC5753422912}" presName="connTx" presStyleLbl="parChTrans1D2" presStyleIdx="3" presStyleCnt="4"/>
       <dgm:spPr/>
+      <dgm:t>
+        <a:bodyPr/>
+        <a:lstStyle/>
+        <a:p>
+          <a:endParaRPr lang="hu-HU"/>
+        </a:p>
+      </dgm:t>
     </dgm:pt>
     <dgm:pt modelId="{9306EDB4-62D0-42B4-94AC-FFC7FE23BB9B}" type="pres">
       <dgm:prSet presAssocID="{0D74EA18-E90E-495A-A822-D7D1AB7E419B}" presName="root2" presStyleCnt="0"/>
@@ -3642,6 +3829,13 @@
         </dgm:presLayoutVars>
       </dgm:prSet>
       <dgm:spPr/>
+      <dgm:t>
+        <a:bodyPr/>
+        <a:lstStyle/>
+        <a:p>
+          <a:endParaRPr lang="hu-HU"/>
+        </a:p>
+      </dgm:t>
     </dgm:pt>
     <dgm:pt modelId="{D9D231FD-5783-43C7-B447-D7F52D3169F7}" type="pres">
       <dgm:prSet presAssocID="{0D74EA18-E90E-495A-A822-D7D1AB7E419B}" presName="level3hierChild" presStyleCnt="0"/>
@@ -3650,10 +3844,24 @@
     <dgm:pt modelId="{C572E422-E7DB-471B-A084-43753C6F34BC}" type="pres">
       <dgm:prSet presAssocID="{012A354B-1888-44E2-A604-D7447C096DCF}" presName="conn2-1" presStyleLbl="parChTrans1D3" presStyleIdx="3" presStyleCnt="4"/>
       <dgm:spPr/>
+      <dgm:t>
+        <a:bodyPr/>
+        <a:lstStyle/>
+        <a:p>
+          <a:endParaRPr lang="hu-HU"/>
+        </a:p>
+      </dgm:t>
     </dgm:pt>
     <dgm:pt modelId="{FE9933AE-6FE4-42A8-90EE-7B68DD4C43DD}" type="pres">
       <dgm:prSet presAssocID="{012A354B-1888-44E2-A604-D7447C096DCF}" presName="connTx" presStyleLbl="parChTrans1D3" presStyleIdx="3" presStyleCnt="4"/>
       <dgm:spPr/>
+      <dgm:t>
+        <a:bodyPr/>
+        <a:lstStyle/>
+        <a:p>
+          <a:endParaRPr lang="hu-HU"/>
+        </a:p>
+      </dgm:t>
     </dgm:pt>
     <dgm:pt modelId="{7A7D7992-21F6-4ED4-A073-44D8DCBF5D3F}" type="pres">
       <dgm:prSet presAssocID="{BCA65F89-6982-49A9-A060-B1B218BA466F}" presName="root2" presStyleCnt="0"/>
@@ -3666,6 +3874,13 @@
         </dgm:presLayoutVars>
       </dgm:prSet>
       <dgm:spPr/>
+      <dgm:t>
+        <a:bodyPr/>
+        <a:lstStyle/>
+        <a:p>
+          <a:endParaRPr lang="hu-HU"/>
+        </a:p>
+      </dgm:t>
     </dgm:pt>
     <dgm:pt modelId="{88489E7F-7DE2-4D71-9783-9AC88082F664}" type="pres">
       <dgm:prSet presAssocID="{BCA65F89-6982-49A9-A060-B1B218BA466F}" presName="level3hierChild" presStyleCnt="0"/>
@@ -3681,24 +3896,24 @@
     <dgm:cxn modelId="{182AC725-7A25-4C54-98FC-7407EB20CF5C}" type="presOf" srcId="{0A9378BE-3E4D-4D69-815C-F2F788172A8A}" destId="{AECCD252-2741-489B-B558-FFD8717DBC2C}" srcOrd="0" destOrd="0" presId="urn:microsoft.com/office/officeart/2005/8/layout/hierarchy2"/>
     <dgm:cxn modelId="{12157581-1620-4588-8E16-6191E3F2D7A1}" type="presOf" srcId="{5067768B-7A40-4964-9894-4564BA232604}" destId="{5ED614E7-2937-453E-A703-EAD9A48FDCF6}" srcOrd="0" destOrd="0" presId="urn:microsoft.com/office/officeart/2005/8/layout/hierarchy2"/>
     <dgm:cxn modelId="{A6673839-FB03-4C66-8386-DB9F3BA4F30B}" type="presOf" srcId="{C80D5D77-1B09-4557-94E2-16C664F548B9}" destId="{77D36038-0DD3-45F7-BE0B-58266BA283A3}" srcOrd="1" destOrd="0" presId="urn:microsoft.com/office/officeart/2005/8/layout/hierarchy2"/>
+    <dgm:cxn modelId="{90018901-8227-49D8-AAB4-2EB6CC772F1E}" type="presOf" srcId="{179F04C6-F6B5-4FEE-B8E7-0EFAEE5F60D0}" destId="{8512C2E3-35F8-4ED3-A586-1B9EE5580A47}" srcOrd="0" destOrd="0" presId="urn:microsoft.com/office/officeart/2005/8/layout/hierarchy2"/>
     <dgm:cxn modelId="{20535B6E-0109-4150-AAEF-95BAFC48DFE9}" type="presOf" srcId="{7F98B524-0464-4F22-934F-AD973D3D33FA}" destId="{7EE716B8-4DB0-4048-99CA-506C7070C6E8}" srcOrd="1" destOrd="0" presId="urn:microsoft.com/office/officeart/2005/8/layout/hierarchy2"/>
-    <dgm:cxn modelId="{90018901-8227-49D8-AAB4-2EB6CC772F1E}" type="presOf" srcId="{179F04C6-F6B5-4FEE-B8E7-0EFAEE5F60D0}" destId="{8512C2E3-35F8-4ED3-A586-1B9EE5580A47}" srcOrd="0" destOrd="0" presId="urn:microsoft.com/office/officeart/2005/8/layout/hierarchy2"/>
     <dgm:cxn modelId="{F3AD0CA0-7320-44D2-B825-E0D58115C96A}" type="presOf" srcId="{4D296E0D-02CB-4983-9044-FC5753422912}" destId="{E5AC62B9-33F2-457D-835E-8AB4273D4031}" srcOrd="1" destOrd="0" presId="urn:microsoft.com/office/officeart/2005/8/layout/hierarchy2"/>
     <dgm:cxn modelId="{D67290CF-BB06-402B-9EF6-0A3AE4C34AAA}" type="presOf" srcId="{54B9771B-D9CD-41BC-9632-40C3D329A772}" destId="{F79A94A7-6B65-41B7-ACD2-F1DB4F1CE74C}" srcOrd="0" destOrd="0" presId="urn:microsoft.com/office/officeart/2005/8/layout/hierarchy2"/>
     <dgm:cxn modelId="{F6208C54-CB82-4658-B495-B7A426948B23}" type="presOf" srcId="{1A7B2DFB-1BA5-47A1-AF0D-C96DC32476DB}" destId="{09251562-2433-4C1F-84C9-A24402BF46E5}" srcOrd="1" destOrd="0" presId="urn:microsoft.com/office/officeart/2005/8/layout/hierarchy2"/>
     <dgm:cxn modelId="{4D835394-0EBC-4E0C-948D-61F016EA7C94}" type="presOf" srcId="{BCA65F89-6982-49A9-A060-B1B218BA466F}" destId="{7571CCAB-4AA7-4777-8A9C-98074C4DBD66}" srcOrd="0" destOrd="0" presId="urn:microsoft.com/office/officeart/2005/8/layout/hierarchy2"/>
     <dgm:cxn modelId="{28FC0EAF-2453-4336-B86B-4EBBAC938558}" srcId="{D84B5FCE-8827-4CE8-B9FA-02CAB98B02F6}" destId="{179F04C6-F6B5-4FEE-B8E7-0EFAEE5F60D0}" srcOrd="0" destOrd="0" parTransId="{C80D5D77-1B09-4557-94E2-16C664F548B9}" sibTransId="{9183FEAB-D1E9-4487-A2C7-18A7B4E1E72F}"/>
     <dgm:cxn modelId="{AF6C5CDD-B44F-482A-95B6-B76828E61D26}" type="presOf" srcId="{0D74EA18-E90E-495A-A822-D7D1AB7E419B}" destId="{5B5F8B19-68B6-479B-A83E-1DFAD8DF1940}" srcOrd="0" destOrd="0" presId="urn:microsoft.com/office/officeart/2005/8/layout/hierarchy2"/>
+    <dgm:cxn modelId="{E99CBE74-CAB5-45FF-84C7-8097F16D3839}" type="presOf" srcId="{49C37023-3DA6-439D-9C8E-BD00DFBA7934}" destId="{1EB82F16-EF29-49F0-AC43-5F74E55A7FBC}" srcOrd="0" destOrd="0" presId="urn:microsoft.com/office/officeart/2005/8/layout/hierarchy2"/>
     <dgm:cxn modelId="{A7220063-3654-43E3-887E-9548B1DB1917}" srcId="{49C37023-3DA6-439D-9C8E-BD00DFBA7934}" destId="{54B9771B-D9CD-41BC-9632-40C3D329A772}" srcOrd="0" destOrd="0" parTransId="{5067768B-7A40-4964-9894-4564BA232604}" sibTransId="{EAF51049-2450-483B-96A0-4DBC5B6EDB27}"/>
-    <dgm:cxn modelId="{E99CBE74-CAB5-45FF-84C7-8097F16D3839}" type="presOf" srcId="{49C37023-3DA6-439D-9C8E-BD00DFBA7934}" destId="{1EB82F16-EF29-49F0-AC43-5F74E55A7FBC}" srcOrd="0" destOrd="0" presId="urn:microsoft.com/office/officeart/2005/8/layout/hierarchy2"/>
     <dgm:cxn modelId="{31B36105-A251-46B6-A496-939237006977}" type="presOf" srcId="{250984D8-3FEC-41FC-B92C-6BA716BCBD7F}" destId="{EBC40A57-FCAB-4048-A425-729C5ADFD8A0}" srcOrd="0" destOrd="0" presId="urn:microsoft.com/office/officeart/2005/8/layout/hierarchy2"/>
     <dgm:cxn modelId="{301430B8-CFDD-49C7-9AD4-7458F1DD777F}" type="presOf" srcId="{D84B5FCE-8827-4CE8-B9FA-02CAB98B02F6}" destId="{837D70ED-C0E0-43FF-A0CE-40CE363DDA15}" srcOrd="0" destOrd="0" presId="urn:microsoft.com/office/officeart/2005/8/layout/hierarchy2"/>
     <dgm:cxn modelId="{0AB1B8AF-3908-4254-AE28-E81F6053ADDF}" srcId="{FFE6FAE1-9415-4873-BC7C-F34DE773D556}" destId="{64AF97A8-E6C1-44CD-A79F-E8E35134E7F9}" srcOrd="0" destOrd="0" parTransId="{7F98B524-0464-4F22-934F-AD973D3D33FA}" sibTransId="{5C959780-FF29-45F1-988B-AA2E23565181}"/>
     <dgm:cxn modelId="{CB085F98-5BF3-42B5-ABB9-281C00E2C8B7}" srcId="{179F04C6-F6B5-4FEE-B8E7-0EFAEE5F60D0}" destId="{0A9378BE-3E4D-4D69-815C-F2F788172A8A}" srcOrd="0" destOrd="0" parTransId="{250984D8-3FEC-41FC-B92C-6BA716BCBD7F}" sibTransId="{E33B1469-CADC-4D8B-BF00-728BE21E2023}"/>
     <dgm:cxn modelId="{0016FE59-2509-4787-9B54-56E0E11CF941}" type="presOf" srcId="{012A354B-1888-44E2-A604-D7447C096DCF}" destId="{C572E422-E7DB-471B-A084-43753C6F34BC}" srcOrd="0" destOrd="0" presId="urn:microsoft.com/office/officeart/2005/8/layout/hierarchy2"/>
     <dgm:cxn modelId="{36EFCC03-831F-4E70-918D-9C08F7E46003}" type="presOf" srcId="{7F98B524-0464-4F22-934F-AD973D3D33FA}" destId="{E8274F38-1AC6-4454-839D-99AF1335DF07}" srcOrd="0" destOrd="0" presId="urn:microsoft.com/office/officeart/2005/8/layout/hierarchy2"/>
+    <dgm:cxn modelId="{C98DF119-0E69-424B-A31E-0C0E3975B562}" type="presOf" srcId="{320EECD5-5345-441E-AB5B-3448F53758BC}" destId="{68808D97-A876-4592-BA09-930493A8BB6B}" srcOrd="0" destOrd="0" presId="urn:microsoft.com/office/officeart/2005/8/layout/hierarchy2"/>
     <dgm:cxn modelId="{FE47568B-C322-41FB-9B2A-7FB3D92F3A24}" type="presOf" srcId="{4D296E0D-02CB-4983-9044-FC5753422912}" destId="{6B030A5F-EE91-4008-B498-3EDD0C8521E2}" srcOrd="0" destOrd="0" presId="urn:microsoft.com/office/officeart/2005/8/layout/hierarchy2"/>
-    <dgm:cxn modelId="{C98DF119-0E69-424B-A31E-0C0E3975B562}" type="presOf" srcId="{320EECD5-5345-441E-AB5B-3448F53758BC}" destId="{68808D97-A876-4592-BA09-930493A8BB6B}" srcOrd="0" destOrd="0" presId="urn:microsoft.com/office/officeart/2005/8/layout/hierarchy2"/>
     <dgm:cxn modelId="{652F14E7-86F8-4792-880A-43ABC7C05839}" type="presOf" srcId="{5067768B-7A40-4964-9894-4564BA232604}" destId="{C6777E4D-4D43-4CD7-B339-AC39FFDA403D}" srcOrd="1" destOrd="0" presId="urn:microsoft.com/office/officeart/2005/8/layout/hierarchy2"/>
     <dgm:cxn modelId="{F55048F0-ABC2-4D3F-B903-6CE416C5533C}" type="presOf" srcId="{012A354B-1888-44E2-A604-D7447C096DCF}" destId="{FE9933AE-6FE4-42A8-90EE-7B68DD4C43DD}" srcOrd="1" destOrd="0" presId="urn:microsoft.com/office/officeart/2005/8/layout/hierarchy2"/>
     <dgm:cxn modelId="{2EBBC533-DB7A-4B25-86A7-AE2E72B75EF3}" srcId="{49C37023-3DA6-439D-9C8E-BD00DFBA7934}" destId="{0D74EA18-E90E-495A-A822-D7D1AB7E419B}" srcOrd="1" destOrd="0" parTransId="{4D296E0D-02CB-4983-9044-FC5753422912}" sibTransId="{340CC7C6-F51D-4146-B0BF-90E82DE20D58}"/>
@@ -3791,7 +4006,7 @@
           <a:pPr rtl="0"/>
           <a:r>
             <a:rPr lang="hu-HU" noProof="0" dirty="0" smtClean="0"/>
-            <a:t>Elkészült  összefüggő komponensek tesztelése</a:t>
+            <a:t>Elkészült komponens tesztelése</a:t>
           </a:r>
           <a:endParaRPr lang="hu-HU" noProof="0" dirty="0"/>
         </a:p>
@@ -3942,10 +4157,10 @@
         <a:p>
           <a:pPr rtl="0"/>
           <a:r>
-            <a:rPr lang="hu-HU" noProof="0" smtClean="0"/>
-            <a:t>Következő összefüggő komponensek elkészítése</a:t>
+            <a:rPr lang="hu-HU" noProof="0" dirty="0" smtClean="0"/>
+            <a:t>Következő komponens elkészítése</a:t>
           </a:r>
-          <a:endParaRPr lang="hu-HU" noProof="0"/>
+          <a:endParaRPr lang="hu-HU" noProof="0" dirty="0"/>
         </a:p>
       </dgm:t>
     </dgm:pt>
@@ -3979,6 +4194,13 @@
         </dgm:presLayoutVars>
       </dgm:prSet>
       <dgm:spPr/>
+      <dgm:t>
+        <a:bodyPr/>
+        <a:lstStyle/>
+        <a:p>
+          <a:endParaRPr lang="hu-HU"/>
+        </a:p>
+      </dgm:t>
     </dgm:pt>
     <dgm:pt modelId="{C63D1600-99F0-45A8-BF5F-240B7892A66D}" type="pres">
       <dgm:prSet presAssocID="{E1A21D22-4D4A-4A0E-8F17-4077E2EF7E3D}" presName="node" presStyleLbl="node1" presStyleIdx="0" presStyleCnt="5">
@@ -3987,6 +4209,13 @@
         </dgm:presLayoutVars>
       </dgm:prSet>
       <dgm:spPr/>
+      <dgm:t>
+        <a:bodyPr/>
+        <a:lstStyle/>
+        <a:p>
+          <a:endParaRPr lang="hu-HU"/>
+        </a:p>
+      </dgm:t>
     </dgm:pt>
     <dgm:pt modelId="{5A6C7FAF-4AA8-43F4-8E5B-156EF8A1F504}" type="pres">
       <dgm:prSet presAssocID="{E1A21D22-4D4A-4A0E-8F17-4077E2EF7E3D}" presName="spNode" presStyleCnt="0"/>
@@ -3995,6 +4224,13 @@
     <dgm:pt modelId="{1A88F4C7-6748-4E05-978C-F3936FC4FD87}" type="pres">
       <dgm:prSet presAssocID="{AE619AD0-DC67-4CB9-BD38-C5505DAD8970}" presName="sibTrans" presStyleLbl="sibTrans1D1" presStyleIdx="0" presStyleCnt="5"/>
       <dgm:spPr/>
+      <dgm:t>
+        <a:bodyPr/>
+        <a:lstStyle/>
+        <a:p>
+          <a:endParaRPr lang="hu-HU"/>
+        </a:p>
+      </dgm:t>
     </dgm:pt>
     <dgm:pt modelId="{F20C65D5-7DFB-403B-9182-A44FE216C635}" type="pres">
       <dgm:prSet presAssocID="{BD833558-4D89-40A1-8B46-4AD074DEA0DF}" presName="node" presStyleLbl="node1" presStyleIdx="1" presStyleCnt="5">
@@ -4003,6 +4239,13 @@
         </dgm:presLayoutVars>
       </dgm:prSet>
       <dgm:spPr/>
+      <dgm:t>
+        <a:bodyPr/>
+        <a:lstStyle/>
+        <a:p>
+          <a:endParaRPr lang="hu-HU"/>
+        </a:p>
+      </dgm:t>
     </dgm:pt>
     <dgm:pt modelId="{169D69A8-8647-4ACC-B2D1-7ABD0E91B42F}" type="pres">
       <dgm:prSet presAssocID="{BD833558-4D89-40A1-8B46-4AD074DEA0DF}" presName="spNode" presStyleCnt="0"/>
@@ -4011,6 +4254,13 @@
     <dgm:pt modelId="{9F377BA6-1C9D-489E-867A-34F1A1628A36}" type="pres">
       <dgm:prSet presAssocID="{C3C664D3-5BAA-47F2-BCA2-6ACB418366E6}" presName="sibTrans" presStyleLbl="sibTrans1D1" presStyleIdx="1" presStyleCnt="5"/>
       <dgm:spPr/>
+      <dgm:t>
+        <a:bodyPr/>
+        <a:lstStyle/>
+        <a:p>
+          <a:endParaRPr lang="hu-HU"/>
+        </a:p>
+      </dgm:t>
     </dgm:pt>
     <dgm:pt modelId="{D3EAB970-A950-41EA-ACC9-94C3A3CEDA3F}" type="pres">
       <dgm:prSet presAssocID="{4AE70870-D406-4C80-9014-0F3341536E56}" presName="node" presStyleLbl="node1" presStyleIdx="2" presStyleCnt="5">
@@ -4019,6 +4269,13 @@
         </dgm:presLayoutVars>
       </dgm:prSet>
       <dgm:spPr/>
+      <dgm:t>
+        <a:bodyPr/>
+        <a:lstStyle/>
+        <a:p>
+          <a:endParaRPr lang="hu-HU"/>
+        </a:p>
+      </dgm:t>
     </dgm:pt>
     <dgm:pt modelId="{6D4CFCAC-B522-4B54-A88B-C833A8AF6834}" type="pres">
       <dgm:prSet presAssocID="{4AE70870-D406-4C80-9014-0F3341536E56}" presName="spNode" presStyleCnt="0"/>
@@ -4027,6 +4284,13 @@
     <dgm:pt modelId="{4671A970-CFD3-45C0-BFBF-F118783919B3}" type="pres">
       <dgm:prSet presAssocID="{2B584E46-A45A-49C1-B2A1-71FA143F4A4F}" presName="sibTrans" presStyleLbl="sibTrans1D1" presStyleIdx="2" presStyleCnt="5"/>
       <dgm:spPr/>
+      <dgm:t>
+        <a:bodyPr/>
+        <a:lstStyle/>
+        <a:p>
+          <a:endParaRPr lang="hu-HU"/>
+        </a:p>
+      </dgm:t>
     </dgm:pt>
     <dgm:pt modelId="{C7FE0075-DA5E-4524-9FD7-E40DDB810015}" type="pres">
       <dgm:prSet presAssocID="{1E6E45C7-1857-4C00-8FF5-9B406DF1ABEF}" presName="node" presStyleLbl="node1" presStyleIdx="3" presStyleCnt="5">
@@ -4035,6 +4299,13 @@
         </dgm:presLayoutVars>
       </dgm:prSet>
       <dgm:spPr/>
+      <dgm:t>
+        <a:bodyPr/>
+        <a:lstStyle/>
+        <a:p>
+          <a:endParaRPr lang="hu-HU"/>
+        </a:p>
+      </dgm:t>
     </dgm:pt>
     <dgm:pt modelId="{63348A42-0C0B-4D62-850C-141D33E86C4E}" type="pres">
       <dgm:prSet presAssocID="{1E6E45C7-1857-4C00-8FF5-9B406DF1ABEF}" presName="spNode" presStyleCnt="0"/>
@@ -4043,6 +4314,13 @@
     <dgm:pt modelId="{D4D9FB04-43D3-479E-BC83-80349935FA5F}" type="pres">
       <dgm:prSet presAssocID="{A9B9B7E0-FB19-4432-B906-7F223BA1748C}" presName="sibTrans" presStyleLbl="sibTrans1D1" presStyleIdx="3" presStyleCnt="5"/>
       <dgm:spPr/>
+      <dgm:t>
+        <a:bodyPr/>
+        <a:lstStyle/>
+        <a:p>
+          <a:endParaRPr lang="hu-HU"/>
+        </a:p>
+      </dgm:t>
     </dgm:pt>
     <dgm:pt modelId="{4E370219-1801-48B3-B67D-CC71B77A841A}" type="pres">
       <dgm:prSet presAssocID="{7A811AF2-3DE9-4C28-97A4-193BA5D60147}" presName="node" presStyleLbl="node1" presStyleIdx="4" presStyleCnt="5">
@@ -4066,25 +4344,32 @@
     <dgm:pt modelId="{C86F8474-B93E-4FA8-BE00-02A6D5BBD789}" type="pres">
       <dgm:prSet presAssocID="{D02945E5-F1DE-4D5F-AEEF-35E6C9FD1E91}" presName="sibTrans" presStyleLbl="sibTrans1D1" presStyleIdx="4" presStyleCnt="5"/>
       <dgm:spPr/>
+      <dgm:t>
+        <a:bodyPr/>
+        <a:lstStyle/>
+        <a:p>
+          <a:endParaRPr lang="hu-HU"/>
+        </a:p>
+      </dgm:t>
     </dgm:pt>
   </dgm:ptLst>
   <dgm:cxnLst>
+    <dgm:cxn modelId="{5D6EE426-43B8-42B5-82D2-9FF988E73E17}" srcId="{218DD0C3-E7EF-48D8-8E59-3C80B94FEBA7}" destId="{4AE70870-D406-4C80-9014-0F3341536E56}" srcOrd="2" destOrd="0" parTransId="{0F9110A5-0542-4BEF-9A98-A3B87C155E35}" sibTransId="{2B584E46-A45A-49C1-B2A1-71FA143F4A4F}"/>
+    <dgm:cxn modelId="{318FE0E6-68DB-4B67-AC67-335905A9B721}" type="presOf" srcId="{1E6E45C7-1857-4C00-8FF5-9B406DF1ABEF}" destId="{C7FE0075-DA5E-4524-9FD7-E40DDB810015}" srcOrd="0" destOrd="0" presId="urn:microsoft.com/office/officeart/2005/8/layout/cycle5"/>
+    <dgm:cxn modelId="{A28D737E-BFB5-40C0-97F8-520006691EE9}" type="presOf" srcId="{AE619AD0-DC67-4CB9-BD38-C5505DAD8970}" destId="{1A88F4C7-6748-4E05-978C-F3936FC4FD87}" srcOrd="0" destOrd="0" presId="urn:microsoft.com/office/officeart/2005/8/layout/cycle5"/>
+    <dgm:cxn modelId="{0F9226FB-5634-4C68-A462-2A78CFDF6BDA}" type="presOf" srcId="{4AE70870-D406-4C80-9014-0F3341536E56}" destId="{D3EAB970-A950-41EA-ACC9-94C3A3CEDA3F}" srcOrd="0" destOrd="0" presId="urn:microsoft.com/office/officeart/2005/8/layout/cycle5"/>
+    <dgm:cxn modelId="{A7B9066B-5033-4532-9A5C-34C59901AE16}" type="presOf" srcId="{218DD0C3-E7EF-48D8-8E59-3C80B94FEBA7}" destId="{585E564E-F3FD-41D9-9139-FD5106CF0F28}" srcOrd="0" destOrd="0" presId="urn:microsoft.com/office/officeart/2005/8/layout/cycle5"/>
+    <dgm:cxn modelId="{B3B4299A-179C-439D-9ABF-8C504E7EBAAD}" srcId="{218DD0C3-E7EF-48D8-8E59-3C80B94FEBA7}" destId="{1E6E45C7-1857-4C00-8FF5-9B406DF1ABEF}" srcOrd="3" destOrd="0" parTransId="{9FD19BE3-9E02-4599-A90D-FD89D823FC46}" sibTransId="{A9B9B7E0-FB19-4432-B906-7F223BA1748C}"/>
+    <dgm:cxn modelId="{AC32BFA4-9347-4B6F-BDF2-9922A8E91406}" type="presOf" srcId="{7A811AF2-3DE9-4C28-97A4-193BA5D60147}" destId="{4E370219-1801-48B3-B67D-CC71B77A841A}" srcOrd="0" destOrd="0" presId="urn:microsoft.com/office/officeart/2005/8/layout/cycle5"/>
+    <dgm:cxn modelId="{AC1C54C4-BF11-4CA3-AE6A-60096D8F0C60}" srcId="{218DD0C3-E7EF-48D8-8E59-3C80B94FEBA7}" destId="{E1A21D22-4D4A-4A0E-8F17-4077E2EF7E3D}" srcOrd="0" destOrd="0" parTransId="{E8C4E28E-207E-48E3-8AB8-470BEAFE049F}" sibTransId="{AE619AD0-DC67-4CB9-BD38-C5505DAD8970}"/>
+    <dgm:cxn modelId="{A2CCA359-968C-40F5-B421-6D98187ED396}" type="presOf" srcId="{2B584E46-A45A-49C1-B2A1-71FA143F4A4F}" destId="{4671A970-CFD3-45C0-BFBF-F118783919B3}" srcOrd="0" destOrd="0" presId="urn:microsoft.com/office/officeart/2005/8/layout/cycle5"/>
+    <dgm:cxn modelId="{981DC3A9-D257-4C4B-BDC6-D5706E4AED16}" type="presOf" srcId="{D02945E5-F1DE-4D5F-AEEF-35E6C9FD1E91}" destId="{C86F8474-B93E-4FA8-BE00-02A6D5BBD789}" srcOrd="0" destOrd="0" presId="urn:microsoft.com/office/officeart/2005/8/layout/cycle5"/>
+    <dgm:cxn modelId="{CC97A303-4026-4B44-92C6-D039A7477EA6}" type="presOf" srcId="{A9B9B7E0-FB19-4432-B906-7F223BA1748C}" destId="{D4D9FB04-43D3-479E-BC83-80349935FA5F}" srcOrd="0" destOrd="0" presId="urn:microsoft.com/office/officeart/2005/8/layout/cycle5"/>
+    <dgm:cxn modelId="{3C063CCF-E6A9-4A19-ADB1-1CDF3087564E}" type="presOf" srcId="{C3C664D3-5BAA-47F2-BCA2-6ACB418366E6}" destId="{9F377BA6-1C9D-489E-867A-34F1A1628A36}" srcOrd="0" destOrd="0" presId="urn:microsoft.com/office/officeart/2005/8/layout/cycle5"/>
     <dgm:cxn modelId="{10241689-4BE2-40BE-9BEA-CA4CD0CCDD7D}" type="presOf" srcId="{BD833558-4D89-40A1-8B46-4AD074DEA0DF}" destId="{F20C65D5-7DFB-403B-9182-A44FE216C635}" srcOrd="0" destOrd="0" presId="urn:microsoft.com/office/officeart/2005/8/layout/cycle5"/>
-    <dgm:cxn modelId="{AC1C54C4-BF11-4CA3-AE6A-60096D8F0C60}" srcId="{218DD0C3-E7EF-48D8-8E59-3C80B94FEBA7}" destId="{E1A21D22-4D4A-4A0E-8F17-4077E2EF7E3D}" srcOrd="0" destOrd="0" parTransId="{E8C4E28E-207E-48E3-8AB8-470BEAFE049F}" sibTransId="{AE619AD0-DC67-4CB9-BD38-C5505DAD8970}"/>
-    <dgm:cxn modelId="{981DC3A9-D257-4C4B-BDC6-D5706E4AED16}" type="presOf" srcId="{D02945E5-F1DE-4D5F-AEEF-35E6C9FD1E91}" destId="{C86F8474-B93E-4FA8-BE00-02A6D5BBD789}" srcOrd="0" destOrd="0" presId="urn:microsoft.com/office/officeart/2005/8/layout/cycle5"/>
+    <dgm:cxn modelId="{EFE0F25B-1E5B-47E3-B0E9-39758B06E315}" srcId="{218DD0C3-E7EF-48D8-8E59-3C80B94FEBA7}" destId="{7A811AF2-3DE9-4C28-97A4-193BA5D60147}" srcOrd="4" destOrd="0" parTransId="{FAD0BEF9-4B13-4948-9156-F1CAC87A8EF3}" sibTransId="{D02945E5-F1DE-4D5F-AEEF-35E6C9FD1E91}"/>
     <dgm:cxn modelId="{99163193-F8AC-48BA-B17D-D98A5C1DFAFA}" srcId="{218DD0C3-E7EF-48D8-8E59-3C80B94FEBA7}" destId="{BD833558-4D89-40A1-8B46-4AD074DEA0DF}" srcOrd="1" destOrd="0" parTransId="{2B817619-AE47-4EA2-8940-225F725CC557}" sibTransId="{C3C664D3-5BAA-47F2-BCA2-6ACB418366E6}"/>
-    <dgm:cxn modelId="{A7B9066B-5033-4532-9A5C-34C59901AE16}" type="presOf" srcId="{218DD0C3-E7EF-48D8-8E59-3C80B94FEBA7}" destId="{585E564E-F3FD-41D9-9139-FD5106CF0F28}" srcOrd="0" destOrd="0" presId="urn:microsoft.com/office/officeart/2005/8/layout/cycle5"/>
-    <dgm:cxn modelId="{0F9226FB-5634-4C68-A462-2A78CFDF6BDA}" type="presOf" srcId="{4AE70870-D406-4C80-9014-0F3341536E56}" destId="{D3EAB970-A950-41EA-ACC9-94C3A3CEDA3F}" srcOrd="0" destOrd="0" presId="urn:microsoft.com/office/officeart/2005/8/layout/cycle5"/>
-    <dgm:cxn modelId="{EFE0F25B-1E5B-47E3-B0E9-39758B06E315}" srcId="{218DD0C3-E7EF-48D8-8E59-3C80B94FEBA7}" destId="{7A811AF2-3DE9-4C28-97A4-193BA5D60147}" srcOrd="4" destOrd="0" parTransId="{FAD0BEF9-4B13-4948-9156-F1CAC87A8EF3}" sibTransId="{D02945E5-F1DE-4D5F-AEEF-35E6C9FD1E91}"/>
-    <dgm:cxn modelId="{3C063CCF-E6A9-4A19-ADB1-1CDF3087564E}" type="presOf" srcId="{C3C664D3-5BAA-47F2-BCA2-6ACB418366E6}" destId="{9F377BA6-1C9D-489E-867A-34F1A1628A36}" srcOrd="0" destOrd="0" presId="urn:microsoft.com/office/officeart/2005/8/layout/cycle5"/>
-    <dgm:cxn modelId="{318FE0E6-68DB-4B67-AC67-335905A9B721}" type="presOf" srcId="{1E6E45C7-1857-4C00-8FF5-9B406DF1ABEF}" destId="{C7FE0075-DA5E-4524-9FD7-E40DDB810015}" srcOrd="0" destOrd="0" presId="urn:microsoft.com/office/officeart/2005/8/layout/cycle5"/>
-    <dgm:cxn modelId="{AC32BFA4-9347-4B6F-BDF2-9922A8E91406}" type="presOf" srcId="{7A811AF2-3DE9-4C28-97A4-193BA5D60147}" destId="{4E370219-1801-48B3-B67D-CC71B77A841A}" srcOrd="0" destOrd="0" presId="urn:microsoft.com/office/officeart/2005/8/layout/cycle5"/>
-    <dgm:cxn modelId="{A2CCA359-968C-40F5-B421-6D98187ED396}" type="presOf" srcId="{2B584E46-A45A-49C1-B2A1-71FA143F4A4F}" destId="{4671A970-CFD3-45C0-BFBF-F118783919B3}" srcOrd="0" destOrd="0" presId="urn:microsoft.com/office/officeart/2005/8/layout/cycle5"/>
     <dgm:cxn modelId="{1BD6DD69-27BF-4068-9B35-F9C127A2C72C}" type="presOf" srcId="{E1A21D22-4D4A-4A0E-8F17-4077E2EF7E3D}" destId="{C63D1600-99F0-45A8-BF5F-240B7892A66D}" srcOrd="0" destOrd="0" presId="urn:microsoft.com/office/officeart/2005/8/layout/cycle5"/>
-    <dgm:cxn modelId="{A28D737E-BFB5-40C0-97F8-520006691EE9}" type="presOf" srcId="{AE619AD0-DC67-4CB9-BD38-C5505DAD8970}" destId="{1A88F4C7-6748-4E05-978C-F3936FC4FD87}" srcOrd="0" destOrd="0" presId="urn:microsoft.com/office/officeart/2005/8/layout/cycle5"/>
-    <dgm:cxn modelId="{B3B4299A-179C-439D-9ABF-8C504E7EBAAD}" srcId="{218DD0C3-E7EF-48D8-8E59-3C80B94FEBA7}" destId="{1E6E45C7-1857-4C00-8FF5-9B406DF1ABEF}" srcOrd="3" destOrd="0" parTransId="{9FD19BE3-9E02-4599-A90D-FD89D823FC46}" sibTransId="{A9B9B7E0-FB19-4432-B906-7F223BA1748C}"/>
-    <dgm:cxn modelId="{CC97A303-4026-4B44-92C6-D039A7477EA6}" type="presOf" srcId="{A9B9B7E0-FB19-4432-B906-7F223BA1748C}" destId="{D4D9FB04-43D3-479E-BC83-80349935FA5F}" srcOrd="0" destOrd="0" presId="urn:microsoft.com/office/officeart/2005/8/layout/cycle5"/>
-    <dgm:cxn modelId="{5D6EE426-43B8-42B5-82D2-9FF988E73E17}" srcId="{218DD0C3-E7EF-48D8-8E59-3C80B94FEBA7}" destId="{4AE70870-D406-4C80-9014-0F3341536E56}" srcOrd="2" destOrd="0" parTransId="{0F9110A5-0542-4BEF-9A98-A3B87C155E35}" sibTransId="{2B584E46-A45A-49C1-B2A1-71FA143F4A4F}"/>
     <dgm:cxn modelId="{D8D810AD-FD9A-49DE-BB3A-E335B2928AB4}" type="presParOf" srcId="{585E564E-F3FD-41D9-9139-FD5106CF0F28}" destId="{C63D1600-99F0-45A8-BF5F-240B7892A66D}" srcOrd="0" destOrd="0" presId="urn:microsoft.com/office/officeart/2005/8/layout/cycle5"/>
     <dgm:cxn modelId="{9E4B6CA3-EAB4-41DF-9733-E479BF97979F}" type="presParOf" srcId="{585E564E-F3FD-41D9-9139-FD5106CF0F28}" destId="{5A6C7FAF-4AA8-43F4-8E5B-156EF8A1F504}" srcOrd="1" destOrd="0" presId="urn:microsoft.com/office/officeart/2005/8/layout/cycle5"/>
     <dgm:cxn modelId="{ECD0A6D3-34DE-441B-987C-58107BD26EBC}" type="presParOf" srcId="{585E564E-F3FD-41D9-9139-FD5106CF0F28}" destId="{1A88F4C7-6748-4E05-978C-F3936FC4FD87}" srcOrd="2" destOrd="0" presId="urn:microsoft.com/office/officeart/2005/8/layout/cycle5"/>
@@ -4504,7 +4789,6 @@
             <a:rPr lang="hu-HU" sz="1200" kern="1200" dirty="0" smtClean="0"/>
             <a:t>Menü készítés</a:t>
           </a:r>
-          <a:endParaRPr lang="hu-HU" sz="1200" kern="1200" dirty="0" smtClean="0"/>
         </a:p>
       </dsp:txBody>
       <dsp:txXfrm>
@@ -6199,12 +6483,12 @@
         </a:fontRef>
       </dsp:style>
       <dsp:txBody>
-        <a:bodyPr spcFirstLastPara="0" vert="horz" wrap="square" lIns="53340" tIns="53340" rIns="53340" bIns="53340" numCol="1" spcCol="1270" anchor="ctr" anchorCtr="0">
+        <a:bodyPr spcFirstLastPara="0" vert="horz" wrap="square" lIns="72390" tIns="72390" rIns="72390" bIns="72390" numCol="1" spcCol="1270" anchor="ctr" anchorCtr="0">
           <a:noAutofit/>
         </a:bodyPr>
         <a:lstStyle/>
         <a:p>
-          <a:pPr lvl="0" algn="ctr" defTabSz="622300" rtl="0">
+          <a:pPr lvl="0" algn="ctr" defTabSz="844550" rtl="0">
             <a:lnSpc>
               <a:spcPct val="90000"/>
             </a:lnSpc>
@@ -6216,10 +6500,10 @@
             </a:spcAft>
           </a:pPr>
           <a:r>
-            <a:rPr lang="hu-HU" sz="1400" kern="1200" noProof="0" dirty="0" smtClean="0"/>
-            <a:t>Elkészült  összefüggő komponensek tesztelése</a:t>
+            <a:rPr lang="hu-HU" sz="1900" kern="1200" noProof="0" dirty="0" smtClean="0"/>
+            <a:t>Elkészült komponens tesztelése</a:t>
           </a:r>
-          <a:endParaRPr lang="hu-HU" sz="1400" kern="1200" noProof="0" dirty="0"/>
+          <a:endParaRPr lang="hu-HU" sz="1900" kern="1200" noProof="0" dirty="0"/>
         </a:p>
       </dsp:txBody>
       <dsp:txXfrm>
@@ -6329,12 +6613,12 @@
         </a:fontRef>
       </dsp:style>
       <dsp:txBody>
-        <a:bodyPr spcFirstLastPara="0" vert="horz" wrap="square" lIns="53340" tIns="53340" rIns="53340" bIns="53340" numCol="1" spcCol="1270" anchor="ctr" anchorCtr="0">
+        <a:bodyPr spcFirstLastPara="0" vert="horz" wrap="square" lIns="72390" tIns="72390" rIns="72390" bIns="72390" numCol="1" spcCol="1270" anchor="ctr" anchorCtr="0">
           <a:noAutofit/>
         </a:bodyPr>
         <a:lstStyle/>
         <a:p>
-          <a:pPr lvl="0" algn="ctr" defTabSz="622300" rtl="0">
+          <a:pPr lvl="0" algn="ctr" defTabSz="844550" rtl="0">
             <a:lnSpc>
               <a:spcPct val="90000"/>
             </a:lnSpc>
@@ -6346,10 +6630,10 @@
             </a:spcAft>
           </a:pPr>
           <a:r>
-            <a:rPr lang="hu-HU" sz="1400" kern="1200" noProof="0" smtClean="0"/>
+            <a:rPr lang="hu-HU" sz="1900" kern="1200" noProof="0" smtClean="0"/>
             <a:t>Hibák jegyzetelése</a:t>
           </a:r>
-          <a:endParaRPr lang="hu-HU" sz="1400" kern="1200" noProof="0"/>
+          <a:endParaRPr lang="hu-HU" sz="1900" kern="1200" noProof="0"/>
         </a:p>
       </dsp:txBody>
       <dsp:txXfrm>
@@ -6459,12 +6743,12 @@
         </a:fontRef>
       </dsp:style>
       <dsp:txBody>
-        <a:bodyPr spcFirstLastPara="0" vert="horz" wrap="square" lIns="53340" tIns="53340" rIns="53340" bIns="53340" numCol="1" spcCol="1270" anchor="ctr" anchorCtr="0">
+        <a:bodyPr spcFirstLastPara="0" vert="horz" wrap="square" lIns="72390" tIns="72390" rIns="72390" bIns="72390" numCol="1" spcCol="1270" anchor="ctr" anchorCtr="0">
           <a:noAutofit/>
         </a:bodyPr>
         <a:lstStyle/>
         <a:p>
-          <a:pPr lvl="0" algn="ctr" defTabSz="622300" rtl="0">
+          <a:pPr lvl="0" algn="ctr" defTabSz="844550" rtl="0">
             <a:lnSpc>
               <a:spcPct val="90000"/>
             </a:lnSpc>
@@ -6476,10 +6760,10 @@
             </a:spcAft>
           </a:pPr>
           <a:r>
-            <a:rPr lang="hu-HU" sz="1400" kern="1200" noProof="0" smtClean="0"/>
+            <a:rPr lang="hu-HU" sz="1900" kern="1200" noProof="0" smtClean="0"/>
             <a:t>Hibák javítása</a:t>
           </a:r>
-          <a:endParaRPr lang="hu-HU" sz="1400" kern="1200" noProof="0"/>
+          <a:endParaRPr lang="hu-HU" sz="1900" kern="1200" noProof="0"/>
         </a:p>
       </dsp:txBody>
       <dsp:txXfrm>
@@ -6589,12 +6873,12 @@
         </a:fontRef>
       </dsp:style>
       <dsp:txBody>
-        <a:bodyPr spcFirstLastPara="0" vert="horz" wrap="square" lIns="53340" tIns="53340" rIns="53340" bIns="53340" numCol="1" spcCol="1270" anchor="ctr" anchorCtr="0">
+        <a:bodyPr spcFirstLastPara="0" vert="horz" wrap="square" lIns="72390" tIns="72390" rIns="72390" bIns="72390" numCol="1" spcCol="1270" anchor="ctr" anchorCtr="0">
           <a:noAutofit/>
         </a:bodyPr>
         <a:lstStyle/>
         <a:p>
-          <a:pPr lvl="0" algn="ctr" defTabSz="622300" rtl="0">
+          <a:pPr lvl="0" algn="ctr" defTabSz="844550" rtl="0">
             <a:lnSpc>
               <a:spcPct val="90000"/>
             </a:lnSpc>
@@ -6606,10 +6890,10 @@
             </a:spcAft>
           </a:pPr>
           <a:r>
-            <a:rPr lang="hu-HU" sz="1400" kern="1200" noProof="0" smtClean="0"/>
+            <a:rPr lang="hu-HU" sz="1900" kern="1200" noProof="0" smtClean="0"/>
             <a:t>Újratesztelés</a:t>
           </a:r>
-          <a:endParaRPr lang="hu-HU" sz="1400" kern="1200" noProof="0"/>
+          <a:endParaRPr lang="hu-HU" sz="1900" kern="1200" noProof="0"/>
         </a:p>
       </dsp:txBody>
       <dsp:txXfrm>
@@ -6719,12 +7003,12 @@
         </a:fontRef>
       </dsp:style>
       <dsp:txBody>
-        <a:bodyPr spcFirstLastPara="0" vert="horz" wrap="square" lIns="53340" tIns="53340" rIns="53340" bIns="53340" numCol="1" spcCol="1270" anchor="ctr" anchorCtr="0">
+        <a:bodyPr spcFirstLastPara="0" vert="horz" wrap="square" lIns="72390" tIns="72390" rIns="72390" bIns="72390" numCol="1" spcCol="1270" anchor="ctr" anchorCtr="0">
           <a:noAutofit/>
         </a:bodyPr>
         <a:lstStyle/>
         <a:p>
-          <a:pPr lvl="0" algn="ctr" defTabSz="622300" rtl="0">
+          <a:pPr lvl="0" algn="ctr" defTabSz="844550" rtl="0">
             <a:lnSpc>
               <a:spcPct val="90000"/>
             </a:lnSpc>
@@ -6736,10 +7020,10 @@
             </a:spcAft>
           </a:pPr>
           <a:r>
-            <a:rPr lang="hu-HU" sz="1400" kern="1200" noProof="0" smtClean="0"/>
-            <a:t>Következő összefüggő komponensek elkészítése</a:t>
+            <a:rPr lang="hu-HU" sz="1900" kern="1200" noProof="0" dirty="0" smtClean="0"/>
+            <a:t>Következő komponens elkészítése</a:t>
           </a:r>
-          <a:endParaRPr lang="hu-HU" sz="1400" kern="1200" noProof="0"/>
+          <a:endParaRPr lang="hu-HU" sz="1900" kern="1200" noProof="0" dirty="0"/>
         </a:p>
       </dsp:txBody>
       <dsp:txXfrm>
@@ -10748,7 +11032,7 @@
     </p:spTree>
     <p:extLst>
       <p:ext uri="{BB962C8B-B14F-4D97-AF65-F5344CB8AC3E}">
-        <p14:creationId xmlns="" xmlns:p14="http://schemas.microsoft.com/office/powerpoint/2010/main" val="732602009"/>
+        <p14:creationId xmlns:p14="http://schemas.microsoft.com/office/powerpoint/2010/main" xmlns="" val="732602009"/>
       </p:ext>
     </p:extLst>
   </p:cSld>
@@ -10756,7 +11040,7 @@
     <a:masterClrMapping/>
   </p:clrMapOvr>
   <mc:AlternateContent xmlns:mc="http://schemas.openxmlformats.org/markup-compatibility/2006">
-    <mc:Choice xmlns="" xmlns:p14="http://schemas.microsoft.com/office/powerpoint/2010/main" Requires="p14">
+    <mc:Choice xmlns:p14="http://schemas.microsoft.com/office/powerpoint/2010/main" xmlns="" Requires="p14">
       <p:transition spd="slow" p14:dur="2000"/>
     </mc:Choice>
     <mc:Fallback>
@@ -11378,7 +11662,7 @@
     </p:spTree>
     <p:extLst>
       <p:ext uri="{BB962C8B-B14F-4D97-AF65-F5344CB8AC3E}">
-        <p14:creationId xmlns="" xmlns:p14="http://schemas.microsoft.com/office/powerpoint/2010/main" val="893604394"/>
+        <p14:creationId xmlns:p14="http://schemas.microsoft.com/office/powerpoint/2010/main" xmlns="" val="893604394"/>
       </p:ext>
     </p:extLst>
   </p:cSld>
@@ -11386,7 +11670,7 @@
     <a:masterClrMapping/>
   </p:clrMapOvr>
   <mc:AlternateContent xmlns:mc="http://schemas.openxmlformats.org/markup-compatibility/2006">
-    <mc:Choice xmlns="" xmlns:p14="http://schemas.microsoft.com/office/powerpoint/2010/main" Requires="p14">
+    <mc:Choice xmlns:p14="http://schemas.microsoft.com/office/powerpoint/2010/main" xmlns="" Requires="p14">
       <p:transition spd="med" p14:dur="700">
         <p:fade/>
       </p:transition>
@@ -12285,7 +12569,7 @@
             <a:fld id="{08DCDE75-89FD-47D4-96B5-7D53BD2E92D4}" type="datetimeFigureOut">
               <a:rPr lang="hu-HU" smtClean="0"/>
               <a:pPr/>
-              <a:t>2014.01.23.</a:t>
+              <a:t>2014.01.28.</a:t>
             </a:fld>
             <a:endParaRPr lang="hu-HU"/>
           </a:p>
@@ -12427,7 +12711,7 @@
     </p:spTree>
     <p:extLst>
       <p:ext uri="{BB962C8B-B14F-4D97-AF65-F5344CB8AC3E}">
-        <p14:creationId xmlns="" xmlns:p14="http://schemas.microsoft.com/office/powerpoint/2010/main" val="3897719953"/>
+        <p14:creationId xmlns:p14="http://schemas.microsoft.com/office/powerpoint/2010/main" xmlns="" val="3897719953"/>
       </p:ext>
     </p:extLst>
   </p:cSld>
@@ -12435,7 +12719,7 @@
     <a:masterClrMapping/>
   </p:clrMapOvr>
   <mc:AlternateContent xmlns:mc="http://schemas.openxmlformats.org/markup-compatibility/2006">
-    <mc:Choice xmlns="" xmlns:p14="http://schemas.microsoft.com/office/powerpoint/2010/main" Requires="p14">
+    <mc:Choice xmlns:p14="http://schemas.microsoft.com/office/powerpoint/2010/main" xmlns="" Requires="p14">
       <p:transition spd="med" p14:dur="700" advClick="0" advTm="1500">
         <p:fade/>
       </p:transition>
@@ -12605,7 +12889,7 @@
     </p:spTree>
     <p:extLst>
       <p:ext uri="{BB962C8B-B14F-4D97-AF65-F5344CB8AC3E}">
-        <p14:creationId xmlns="" xmlns:p14="http://schemas.microsoft.com/office/powerpoint/2010/main" val="41850544"/>
+        <p14:creationId xmlns:p14="http://schemas.microsoft.com/office/powerpoint/2010/main" xmlns="" val="41850544"/>
       </p:ext>
     </p:extLst>
   </p:cSld>
@@ -12613,7 +12897,7 @@
     <a:masterClrMapping/>
   </p:clrMapOvr>
   <mc:AlternateContent xmlns:mc="http://schemas.openxmlformats.org/markup-compatibility/2006">
-    <mc:Choice xmlns="" xmlns:p14="http://schemas.microsoft.com/office/powerpoint/2010/main" Requires="p14">
+    <mc:Choice xmlns:p14="http://schemas.microsoft.com/office/powerpoint/2010/main" xmlns="" Requires="p14">
       <p:transition spd="med" p14:dur="700" advClick="0" advTm="1500">
         <p:fade/>
       </p:transition>
@@ -12781,7 +13065,7 @@
     </p:spTree>
     <p:extLst>
       <p:ext uri="{BB962C8B-B14F-4D97-AF65-F5344CB8AC3E}">
-        <p14:creationId xmlns="" xmlns:p14="http://schemas.microsoft.com/office/powerpoint/2010/main" val="2278104042"/>
+        <p14:creationId xmlns:p14="http://schemas.microsoft.com/office/powerpoint/2010/main" xmlns="" val="2278104042"/>
       </p:ext>
     </p:extLst>
   </p:cSld>
@@ -12789,7 +13073,7 @@
     <a:masterClrMapping/>
   </p:clrMapOvr>
   <mc:AlternateContent xmlns:mc="http://schemas.openxmlformats.org/markup-compatibility/2006">
-    <mc:Choice xmlns="" xmlns:p14="http://schemas.microsoft.com/office/powerpoint/2010/main" Requires="p14">
+    <mc:Choice xmlns:p14="http://schemas.microsoft.com/office/powerpoint/2010/main" xmlns="" Requires="p14">
       <p:transition spd="med" p14:dur="700" advClick="0" advTm="1500">
         <p:fade/>
       </p:transition>
@@ -13085,7 +13369,7 @@
     </p:spTree>
     <p:extLst>
       <p:ext uri="{BB962C8B-B14F-4D97-AF65-F5344CB8AC3E}">
-        <p14:creationId xmlns="" xmlns:p14="http://schemas.microsoft.com/office/powerpoint/2010/main" val="1039485396"/>
+        <p14:creationId xmlns:p14="http://schemas.microsoft.com/office/powerpoint/2010/main" xmlns="" val="1039485396"/>
       </p:ext>
     </p:extLst>
   </p:cSld>
@@ -13093,7 +13377,7 @@
     <a:masterClrMapping/>
   </p:clrMapOvr>
   <mc:AlternateContent xmlns:mc="http://schemas.openxmlformats.org/markup-compatibility/2006">
-    <mc:Choice xmlns="" xmlns:p14="http://schemas.microsoft.com/office/powerpoint/2010/main" Requires="p14">
+    <mc:Choice xmlns:p14="http://schemas.microsoft.com/office/powerpoint/2010/main" xmlns="" Requires="p14">
       <p:transition spd="med" p14:dur="700">
         <p:fade/>
       </p:transition>
@@ -13765,7 +14049,7 @@
     </p:spTree>
     <p:extLst>
       <p:ext uri="{BB962C8B-B14F-4D97-AF65-F5344CB8AC3E}">
-        <p14:creationId xmlns="" xmlns:p14="http://schemas.microsoft.com/office/powerpoint/2010/main" val="2551000396"/>
+        <p14:creationId xmlns:p14="http://schemas.microsoft.com/office/powerpoint/2010/main" xmlns="" val="2551000396"/>
       </p:ext>
     </p:extLst>
   </p:cSld>
@@ -13773,7 +14057,7 @@
     <a:masterClrMapping/>
   </p:clrMapOvr>
   <mc:AlternateContent xmlns:mc="http://schemas.openxmlformats.org/markup-compatibility/2006">
-    <mc:Choice xmlns="" xmlns:p14="http://schemas.microsoft.com/office/powerpoint/2010/main" Requires="p14">
+    <mc:Choice xmlns:p14="http://schemas.microsoft.com/office/powerpoint/2010/main" xmlns="" Requires="p14">
       <p:transition spd="med" p14:dur="700">
         <p:fade/>
       </p:transition>
@@ -14443,7 +14727,7 @@
     </p:spTree>
     <p:extLst>
       <p:ext uri="{BB962C8B-B14F-4D97-AF65-F5344CB8AC3E}">
-        <p14:creationId xmlns="" xmlns:p14="http://schemas.microsoft.com/office/powerpoint/2010/main" val="3072301379"/>
+        <p14:creationId xmlns:p14="http://schemas.microsoft.com/office/powerpoint/2010/main" xmlns="" val="3072301379"/>
       </p:ext>
     </p:extLst>
   </p:cSld>
@@ -14451,7 +14735,7 @@
     <a:masterClrMapping/>
   </p:clrMapOvr>
   <mc:AlternateContent xmlns:mc="http://schemas.openxmlformats.org/markup-compatibility/2006">
-    <mc:Choice xmlns="" xmlns:p14="http://schemas.microsoft.com/office/powerpoint/2010/main" Requires="p14">
+    <mc:Choice xmlns:p14="http://schemas.microsoft.com/office/powerpoint/2010/main" xmlns="" Requires="p14">
       <p:transition spd="med" p14:dur="700">
         <p:fade/>
       </p:transition>
@@ -15279,7 +15563,7 @@
     </p:spTree>
     <p:extLst>
       <p:ext uri="{BB962C8B-B14F-4D97-AF65-F5344CB8AC3E}">
-        <p14:creationId xmlns="" xmlns:p14="http://schemas.microsoft.com/office/powerpoint/2010/main" val="1158426482"/>
+        <p14:creationId xmlns:p14="http://schemas.microsoft.com/office/powerpoint/2010/main" xmlns="" val="1158426482"/>
       </p:ext>
     </p:extLst>
   </p:cSld>
@@ -15287,7 +15571,7 @@
     <a:masterClrMapping/>
   </p:clrMapOvr>
   <mc:AlternateContent xmlns:mc="http://schemas.openxmlformats.org/markup-compatibility/2006">
-    <mc:Choice xmlns="" xmlns:p14="http://schemas.microsoft.com/office/powerpoint/2010/main" Requires="p14">
+    <mc:Choice xmlns:p14="http://schemas.microsoft.com/office/powerpoint/2010/main" xmlns="" Requires="p14">
       <p:transition spd="med" p14:dur="700">
         <p:fade/>
       </p:transition>
@@ -16461,7 +16745,7 @@
     </p:spTree>
     <p:extLst>
       <p:ext uri="{BB962C8B-B14F-4D97-AF65-F5344CB8AC3E}">
-        <p14:creationId xmlns="" xmlns:p14="http://schemas.microsoft.com/office/powerpoint/2010/main" val="3942514668"/>
+        <p14:creationId xmlns:p14="http://schemas.microsoft.com/office/powerpoint/2010/main" xmlns="" val="3942514668"/>
       </p:ext>
     </p:extLst>
   </p:cSld>
@@ -16469,7 +16753,7 @@
     <a:masterClrMapping/>
   </p:clrMapOvr>
   <mc:AlternateContent xmlns:mc="http://schemas.openxmlformats.org/markup-compatibility/2006">
-    <mc:Choice xmlns="" xmlns:p14="http://schemas.microsoft.com/office/powerpoint/2010/main" Requires="p14">
+    <mc:Choice xmlns:p14="http://schemas.microsoft.com/office/powerpoint/2010/main" xmlns="" Requires="p14">
       <p:transition spd="med" p14:dur="700">
         <p:fade/>
       </p:transition>
@@ -17323,7 +17607,7 @@
     </p:spTree>
     <p:extLst>
       <p:ext uri="{BB962C8B-B14F-4D97-AF65-F5344CB8AC3E}">
-        <p14:creationId xmlns="" xmlns:p14="http://schemas.microsoft.com/office/powerpoint/2010/main" val="1554139772"/>
+        <p14:creationId xmlns:p14="http://schemas.microsoft.com/office/powerpoint/2010/main" xmlns="" val="1554139772"/>
       </p:ext>
     </p:extLst>
   </p:cSld>
@@ -17342,7 +17626,7 @@
     <p:sldLayoutId id="2147483684" r:id="rId11"/>
   </p:sldLayoutIdLst>
   <mc:AlternateContent xmlns:mc="http://schemas.openxmlformats.org/markup-compatibility/2006">
-    <mc:Choice xmlns="" xmlns:p14="http://schemas.microsoft.com/office/powerpoint/2010/main" Requires="p14">
+    <mc:Choice xmlns:p14="http://schemas.microsoft.com/office/powerpoint/2010/main" xmlns="" Requires="p14">
       <p:transition spd="slow" p14:dur="2000"/>
     </mc:Choice>
     <mc:Fallback>
@@ -18103,11 +18387,7 @@
           <a:p>
             <a:r>
               <a:rPr lang="hu-HU" dirty="0" smtClean="0"/>
-              <a:t>Két személyes </a:t>
-            </a:r>
-            <a:r>
-              <a:rPr lang="hu-HU" dirty="0" smtClean="0"/>
-              <a:t>játék - Leírás</a:t>
+              <a:t>Két személyes játék - Leírás</a:t>
             </a:r>
             <a:endParaRPr lang="hu-HU" dirty="0"/>
           </a:p>
@@ -18137,13 +18417,8 @@
             <a:pPr lvl="1"/>
             <a:r>
               <a:rPr lang="hu-HU" dirty="0" smtClean="0"/>
-              <a:t>Egy hálózaton levő eszközök egymással való </a:t>
+              <a:t>Egy hálózaton levő eszközök egymással való játékának a fejlesztése</a:t>
             </a:r>
-            <a:r>
-              <a:rPr lang="hu-HU" dirty="0" smtClean="0"/>
-              <a:t>játékának a fejlesztése</a:t>
-            </a:r>
-            <a:endParaRPr lang="hu-HU" dirty="0" smtClean="0"/>
           </a:p>
           <a:p>
             <a:r>
@@ -18220,11 +18495,7 @@
           <a:p>
             <a:r>
               <a:rPr lang="hu-HU" dirty="0" smtClean="0"/>
-              <a:t>Két személyes </a:t>
-            </a:r>
-            <a:r>
-              <a:rPr lang="hu-HU" dirty="0" smtClean="0"/>
-              <a:t>játék - Bemutatás</a:t>
+              <a:t>Két személyes játék - Bemutatás</a:t>
             </a:r>
             <a:endParaRPr lang="hu-HU" dirty="0"/>
           </a:p>
@@ -18264,7 +18535,7 @@
     <a:masterClrMapping/>
   </p:clrMapOvr>
   <mc:AlternateContent xmlns:mc="http://schemas.openxmlformats.org/markup-compatibility/2006">
-    <mc:Choice xmlns="" xmlns:p14="http://schemas.microsoft.com/office/powerpoint/2010/main" Requires="p14">
+    <mc:Choice xmlns:p14="http://schemas.microsoft.com/office/powerpoint/2010/main" xmlns="" Requires="p14">
       <p:transition spd="med" p14:dur="700">
         <p:fade/>
       </p:transition>
@@ -18319,11 +18590,7 @@
           <a:p>
             <a:r>
               <a:rPr lang="hu-HU" dirty="0" smtClean="0"/>
-              <a:t>Két személyes </a:t>
-            </a:r>
-            <a:r>
-              <a:rPr lang="hu-HU" dirty="0" smtClean="0"/>
-              <a:t>játék - Kiértékelés</a:t>
+              <a:t>Két személyes játék - Kiértékelés</a:t>
             </a:r>
             <a:endParaRPr lang="hu-HU" dirty="0"/>
           </a:p>
@@ -18355,7 +18622,7 @@
     <a:masterClrMapping/>
   </p:clrMapOvr>
   <mc:AlternateContent xmlns:mc="http://schemas.openxmlformats.org/markup-compatibility/2006">
-    <mc:Choice xmlns="" xmlns:p14="http://schemas.microsoft.com/office/powerpoint/2010/main" Requires="p14">
+    <mc:Choice xmlns:p14="http://schemas.microsoft.com/office/powerpoint/2010/main" xmlns="" Requires="p14">
       <p:transition spd="med" p14:dur="700">
         <p:fade/>
       </p:transition>
@@ -18447,7 +18714,7 @@
     <a:masterClrMapping/>
   </p:clrMapOvr>
   <mc:AlternateContent xmlns:mc="http://schemas.openxmlformats.org/markup-compatibility/2006">
-    <mc:Choice xmlns="" xmlns:p14="http://schemas.microsoft.com/office/powerpoint/2010/main" Requires="p14">
+    <mc:Choice xmlns:p14="http://schemas.microsoft.com/office/powerpoint/2010/main" xmlns="" Requires="p14">
       <p:transition spd="med" p14:dur="700">
         <p:fade/>
       </p:transition>
@@ -18469,117 +18736,6 @@
 </file>
 
 <file path=ppt/slides/slide15.xml><?xml version="1.0" encoding="utf-8"?>
-<p:sld xmlns:a="http://schemas.openxmlformats.org/drawingml/2006/main" xmlns:r="http://schemas.openxmlformats.org/officeDocument/2006/relationships" xmlns:p="http://schemas.openxmlformats.org/presentationml/2006/main">
-  <p:cSld>
-    <p:spTree>
-      <p:nvGrpSpPr>
-        <p:cNvPr id="1" name=""/>
-        <p:cNvGrpSpPr/>
-        <p:nvPr/>
-      </p:nvGrpSpPr>
-      <p:grpSpPr>
-        <a:xfrm>
-          <a:off x="0" y="0"/>
-          <a:ext cx="0" cy="0"/>
-          <a:chOff x="0" y="0"/>
-          <a:chExt cx="0" cy="0"/>
-        </a:xfrm>
-      </p:grpSpPr>
-      <p:sp>
-        <p:nvSpPr>
-          <p:cNvPr id="2" name="Cím 1"/>
-          <p:cNvSpPr>
-            <a:spLocks noGrp="1"/>
-          </p:cNvSpPr>
-          <p:nvPr>
-            <p:ph type="title"/>
-          </p:nvPr>
-        </p:nvSpPr>
-        <p:spPr/>
-        <p:txBody>
-          <a:bodyPr/>
-          <a:lstStyle/>
-          <a:p>
-            <a:r>
-              <a:rPr lang="hu-HU" dirty="0" smtClean="0"/>
-              <a:t>Játék tesztelése - Rendszerteszt</a:t>
-            </a:r>
-            <a:endParaRPr lang="hu-HU" dirty="0"/>
-          </a:p>
-        </p:txBody>
-      </p:sp>
-      <p:sp>
-        <p:nvSpPr>
-          <p:cNvPr id="3" name="Tartalom helye 2"/>
-          <p:cNvSpPr>
-            <a:spLocks noGrp="1"/>
-          </p:cNvSpPr>
-          <p:nvPr>
-            <p:ph idx="1"/>
-          </p:nvPr>
-        </p:nvSpPr>
-        <p:spPr/>
-        <p:txBody>
-          <a:bodyPr/>
-          <a:lstStyle/>
-          <a:p>
-            <a:r>
-              <a:rPr lang="hu-HU" dirty="0" smtClean="0"/>
-              <a:t>Az implementált játék egészének tesztelése</a:t>
-            </a:r>
-          </a:p>
-          <a:p>
-            <a:r>
-              <a:rPr lang="hu-HU" dirty="0" smtClean="0"/>
-              <a:t>Szoftverminőség mérése metrikákkal</a:t>
-            </a:r>
-          </a:p>
-          <a:p>
-            <a:r>
-              <a:rPr lang="hu-HU" dirty="0" smtClean="0"/>
-              <a:t>Felhasználói tesztek</a:t>
-            </a:r>
-          </a:p>
-          <a:p>
-            <a:pPr lvl="1"/>
-            <a:r>
-              <a:rPr lang="hu-HU" dirty="0" smtClean="0"/>
-              <a:t>Pl. az irányítást szükséges volt változtatni</a:t>
-            </a:r>
-          </a:p>
-          <a:p>
-            <a:endParaRPr lang="hu-HU" dirty="0"/>
-          </a:p>
-        </p:txBody>
-      </p:sp>
-    </p:spTree>
-  </p:cSld>
-  <p:clrMapOvr>
-    <a:masterClrMapping/>
-  </p:clrMapOvr>
-  <mc:AlternateContent xmlns:mc="http://schemas.openxmlformats.org/markup-compatibility/2006">
-    <mc:Choice xmlns="" xmlns:p14="http://schemas.microsoft.com/office/powerpoint/2010/main" Requires="p14">
-      <p:transition spd="med" p14:dur="700">
-        <p:fade/>
-      </p:transition>
-    </mc:Choice>
-    <mc:Fallback>
-      <p:transition spd="med">
-        <p:fade/>
-      </p:transition>
-    </mc:Fallback>
-  </mc:AlternateContent>
-  <p:timing>
-    <p:tnLst>
-      <p:par>
-        <p:cTn id="1" dur="indefinite" restart="never" nodeType="tmRoot"/>
-      </p:par>
-    </p:tnLst>
-  </p:timing>
-</p:sld>
-</file>
-
-<file path=ppt/slides/slide16.xml><?xml version="1.0" encoding="utf-8"?>
 <p:sld xmlns:a="http://schemas.openxmlformats.org/drawingml/2006/main" xmlns:r="http://schemas.openxmlformats.org/officeDocument/2006/relationships" xmlns:p="http://schemas.openxmlformats.org/presentationml/2006/main">
   <p:cSld>
     <p:spTree>
@@ -18636,12 +18792,6 @@
           <a:p>
             <a:r>
               <a:rPr lang="hu-HU" dirty="0" smtClean="0"/>
-              <a:t>Pályaválasztó komponens</a:t>
-            </a:r>
-          </a:p>
-          <a:p>
-            <a:r>
-              <a:rPr lang="hu-HU" dirty="0" smtClean="0"/>
               <a:t>Karakterfejlesztés</a:t>
             </a:r>
           </a:p>
@@ -18684,7 +18834,7 @@
 </p:sld>
 </file>
 
-<file path=ppt/slides/slide17.xml><?xml version="1.0" encoding="utf-8"?>
+<file path=ppt/slides/slide16.xml><?xml version="1.0" encoding="utf-8"?>
 <p:sld xmlns:a="http://schemas.openxmlformats.org/drawingml/2006/main" xmlns:r="http://schemas.openxmlformats.org/officeDocument/2006/relationships" xmlns:p="http://schemas.openxmlformats.org/presentationml/2006/main">
   <p:cSld>
     <p:spTree>
@@ -18787,7 +18937,7 @@
     <a:masterClrMapping/>
   </p:clrMapOvr>
   <mc:AlternateContent xmlns:mc="http://schemas.openxmlformats.org/markup-compatibility/2006">
-    <mc:Choice xmlns="" xmlns:p14="http://schemas.microsoft.com/office/powerpoint/2010/main" Requires="p14">
+    <mc:Choice xmlns:p14="http://schemas.microsoft.com/office/powerpoint/2010/main" xmlns="" Requires="p14">
       <p:transition spd="med" p14:dur="700" advClick="0" advTm="1500">
         <p:fade/>
       </p:transition>
@@ -18988,144 +19138,7 @@
           <a:p>
             <a:r>
               <a:rPr lang="hu-HU" dirty="0" smtClean="0"/>
-              <a:t>Játék </a:t>
-            </a:r>
-            <a:r>
-              <a:rPr lang="hu-HU" dirty="0" smtClean="0"/>
-              <a:t>bemutatása - Leírás</a:t>
-            </a:r>
-            <a:endParaRPr lang="hu-HU" dirty="0"/>
-          </a:p>
-        </p:txBody>
-      </p:sp>
-      <p:sp>
-        <p:nvSpPr>
-          <p:cNvPr id="3" name="Tartalom helye 2"/>
-          <p:cNvSpPr>
-            <a:spLocks noGrp="1"/>
-          </p:cNvSpPr>
-          <p:nvPr>
-            <p:ph idx="1"/>
-          </p:nvPr>
-        </p:nvSpPr>
-        <p:spPr/>
-        <p:txBody>
-          <a:bodyPr/>
-          <a:lstStyle/>
-          <a:p>
-            <a:r>
-              <a:rPr lang="hu-HU" dirty="0" smtClean="0"/>
-              <a:t>Cél</a:t>
-            </a:r>
-          </a:p>
-          <a:p>
-            <a:pPr lvl="1"/>
-            <a:r>
-              <a:rPr lang="hu-HU" dirty="0" smtClean="0"/>
-              <a:t>Két dimenziós játék</a:t>
-            </a:r>
-          </a:p>
-          <a:p>
-            <a:pPr lvl="1"/>
-            <a:r>
-              <a:rPr lang="hu-HU" dirty="0" smtClean="0"/>
-              <a:t>Különböző nehézségű pályák</a:t>
-            </a:r>
-          </a:p>
-          <a:p>
-            <a:pPr lvl="1"/>
-            <a:r>
-              <a:rPr lang="hu-HU" dirty="0" smtClean="0"/>
-              <a:t>Játékosnak minél több pontot kell gyűjtenie</a:t>
-            </a:r>
-          </a:p>
-          <a:p>
-            <a:r>
-              <a:rPr lang="hu-HU" dirty="0" smtClean="0"/>
-              <a:t>A pálya elemei</a:t>
-            </a:r>
-          </a:p>
-          <a:p>
-            <a:pPr lvl="1"/>
-            <a:r>
-              <a:rPr lang="hu-HU" dirty="0" smtClean="0"/>
-              <a:t>Pontot érő elemek</a:t>
-            </a:r>
-          </a:p>
-          <a:p>
-            <a:pPr lvl="1"/>
-            <a:r>
-              <a:rPr lang="hu-HU" dirty="0" smtClean="0"/>
-              <a:t>Akadályok</a:t>
-            </a:r>
-          </a:p>
-          <a:p>
-            <a:pPr lvl="1"/>
-            <a:r>
-              <a:rPr lang="hu-HU" dirty="0" smtClean="0"/>
-              <a:t>Játékost befolyásoló elemek (gyorsító, lassító)</a:t>
-            </a:r>
-            <a:endParaRPr lang="hu-HU" dirty="0"/>
-          </a:p>
-        </p:txBody>
-      </p:sp>
-    </p:spTree>
-  </p:cSld>
-  <p:clrMapOvr>
-    <a:masterClrMapping/>
-  </p:clrMapOvr>
-  <p:transition spd="med">
-    <p:fade/>
-  </p:transition>
-  <p:timing>
-    <p:tnLst>
-      <p:par>
-        <p:cTn id="1" dur="indefinite" restart="never" nodeType="tmRoot"/>
-      </p:par>
-    </p:tnLst>
-  </p:timing>
-</p:sld>
-</file>
-
-<file path=ppt/slides/slide6.xml><?xml version="1.0" encoding="utf-8"?>
-<p:sld xmlns:a="http://schemas.openxmlformats.org/drawingml/2006/main" xmlns:r="http://schemas.openxmlformats.org/officeDocument/2006/relationships" xmlns:p="http://schemas.openxmlformats.org/presentationml/2006/main">
-  <p:cSld>
-    <p:spTree>
-      <p:nvGrpSpPr>
-        <p:cNvPr id="1" name=""/>
-        <p:cNvGrpSpPr/>
-        <p:nvPr/>
-      </p:nvGrpSpPr>
-      <p:grpSpPr>
-        <a:xfrm>
-          <a:off x="0" y="0"/>
-          <a:ext cx="0" cy="0"/>
-          <a:chOff x="0" y="0"/>
-          <a:chExt cx="0" cy="0"/>
-        </a:xfrm>
-      </p:grpSpPr>
-      <p:sp>
-        <p:nvSpPr>
-          <p:cNvPr id="2" name="Cím 1"/>
-          <p:cNvSpPr>
-            <a:spLocks noGrp="1"/>
-          </p:cNvSpPr>
-          <p:nvPr>
-            <p:ph type="title"/>
-          </p:nvPr>
-        </p:nvSpPr>
-        <p:spPr/>
-        <p:txBody>
-          <a:bodyPr/>
-          <a:lstStyle/>
-          <a:p>
-            <a:r>
-              <a:rPr lang="hu-HU" dirty="0" smtClean="0"/>
-              <a:t>Játék </a:t>
-            </a:r>
-            <a:r>
-              <a:rPr lang="hu-HU" dirty="0" smtClean="0"/>
-              <a:t>bemutatása - Leírás</a:t>
+              <a:t>Játék bemutatása - Leírás</a:t>
             </a:r>
             <a:endParaRPr lang="hu-HU" dirty="0"/>
           </a:p>
@@ -19198,6 +19211,141 @@
               <a:rPr lang="hu-HU" dirty="0" smtClean="0"/>
               <a:t>Profi: 35001- pont</a:t>
             </a:r>
+          </a:p>
+        </p:txBody>
+      </p:sp>
+    </p:spTree>
+  </p:cSld>
+  <p:clrMapOvr>
+    <a:masterClrMapping/>
+  </p:clrMapOvr>
+  <p:transition spd="med">
+    <p:fade/>
+  </p:transition>
+  <p:timing>
+    <p:tnLst>
+      <p:par>
+        <p:cTn id="1" dur="indefinite" restart="never" nodeType="tmRoot"/>
+      </p:par>
+    </p:tnLst>
+  </p:timing>
+</p:sld>
+</file>
+
+<file path=ppt/slides/slide6.xml><?xml version="1.0" encoding="utf-8"?>
+<p:sld xmlns:a="http://schemas.openxmlformats.org/drawingml/2006/main" xmlns:r="http://schemas.openxmlformats.org/officeDocument/2006/relationships" xmlns:p="http://schemas.openxmlformats.org/presentationml/2006/main">
+  <p:cSld>
+    <p:spTree>
+      <p:nvGrpSpPr>
+        <p:cNvPr id="1" name=""/>
+        <p:cNvGrpSpPr/>
+        <p:nvPr/>
+      </p:nvGrpSpPr>
+      <p:grpSpPr>
+        <a:xfrm>
+          <a:off x="0" y="0"/>
+          <a:ext cx="0" cy="0"/>
+          <a:chOff x="0" y="0"/>
+          <a:chExt cx="0" cy="0"/>
+        </a:xfrm>
+      </p:grpSpPr>
+      <p:sp>
+        <p:nvSpPr>
+          <p:cNvPr id="2" name="Cím 1"/>
+          <p:cNvSpPr>
+            <a:spLocks noGrp="1"/>
+          </p:cNvSpPr>
+          <p:nvPr>
+            <p:ph type="title"/>
+          </p:nvPr>
+        </p:nvSpPr>
+        <p:spPr/>
+        <p:txBody>
+          <a:bodyPr/>
+          <a:lstStyle/>
+          <a:p>
+            <a:r>
+              <a:rPr lang="hu-HU" dirty="0" smtClean="0"/>
+              <a:t>Játék bemutatása - Leírás</a:t>
+            </a:r>
+            <a:endParaRPr lang="hu-HU" dirty="0"/>
+          </a:p>
+        </p:txBody>
+      </p:sp>
+      <p:sp>
+        <p:nvSpPr>
+          <p:cNvPr id="3" name="Tartalom helye 2"/>
+          <p:cNvSpPr>
+            <a:spLocks noGrp="1"/>
+          </p:cNvSpPr>
+          <p:nvPr>
+            <p:ph idx="1"/>
+          </p:nvPr>
+        </p:nvSpPr>
+        <p:spPr/>
+        <p:txBody>
+          <a:bodyPr/>
+          <a:lstStyle/>
+          <a:p>
+            <a:r>
+              <a:rPr lang="hu-HU" dirty="0" smtClean="0"/>
+              <a:t>Fejlesztés célja</a:t>
+            </a:r>
+          </a:p>
+          <a:p>
+            <a:pPr lvl="1"/>
+            <a:r>
+              <a:rPr lang="hu-HU" dirty="0" smtClean="0"/>
+              <a:t>Két dimenziós játék</a:t>
+            </a:r>
+          </a:p>
+          <a:p>
+            <a:pPr lvl="1"/>
+            <a:r>
+              <a:rPr lang="hu-HU" dirty="0" smtClean="0"/>
+              <a:t>Különböző nehézségű pályák készítése</a:t>
+            </a:r>
+          </a:p>
+          <a:p>
+            <a:r>
+              <a:rPr lang="hu-HU" dirty="0" smtClean="0"/>
+              <a:t>Játékos célja</a:t>
+            </a:r>
+          </a:p>
+          <a:p>
+            <a:pPr lvl="1"/>
+            <a:r>
+              <a:rPr lang="hu-HU" dirty="0" smtClean="0"/>
+              <a:t>Minél több pontot szerezzen</a:t>
+            </a:r>
+          </a:p>
+          <a:p>
+            <a:r>
+              <a:rPr lang="hu-HU" dirty="0" smtClean="0"/>
+              <a:t>A pálya elemei</a:t>
+            </a:r>
+          </a:p>
+          <a:p>
+            <a:pPr lvl="1"/>
+            <a:r>
+              <a:rPr lang="hu-HU" dirty="0" smtClean="0"/>
+              <a:t>Pontot érő elemek</a:t>
+            </a:r>
+          </a:p>
+          <a:p>
+            <a:pPr lvl="1"/>
+            <a:r>
+              <a:rPr lang="hu-HU" dirty="0" smtClean="0"/>
+              <a:t>Akadályok</a:t>
+            </a:r>
+          </a:p>
+          <a:p>
+            <a:pPr lvl="1"/>
+            <a:r>
+              <a:rPr lang="hu-HU" dirty="0" smtClean="0"/>
+              <a:t>Játékost befolyásoló elemek (gyorsító, lassító)</a:t>
+            </a:r>
+            <a:endParaRPr lang="hu-HU" dirty="0"/>
           </a:p>
         </p:txBody>
       </p:sp>
@@ -19866,7 +20014,7 @@
   <a:extraClrSchemeLst/>
   <a:extLst>
     <a:ext uri="{05A4C25C-085E-4340-85A3-A5531E510DB2}">
-      <thm15:themeFamily xmlns="" xmlns:thm15="http://schemas.microsoft.com/office/thememl/2012/main" name="Win8_Light.potx" id="{E5387C1A-5699-47F6-8577-B65503109946}" vid="{4F6B1FA0-6BD9-4D6D-9FDC-BCD363D75F9F}"/>
+      <thm15:themeFamily xmlns:thm15="http://schemas.microsoft.com/office/thememl/2012/main" xmlns="" name="Win8_Light.potx" id="{E5387C1A-5699-47F6-8577-B65503109946}" vid="{4F6B1FA0-6BD9-4D6D-9FDC-BCD363D75F9F}"/>
     </a:ext>
   </a:extLst>
 </a:theme>
